--- a/ch05/第5章 类的封装.pptx
+++ b/ch05/第5章 类的封装.pptx
@@ -29,7 +29,7 @@
     <p:sldId id="434" r:id="rId17"/>
     <p:sldId id="465" r:id="rId18"/>
   </p:sldIdLst>
-  <p:sldSz cx="9144000" cy="6858000" type="screen4x3"/>
+  <p:sldSz cx="12192000" cy="6858000"/>
   <p:notesSz cx="6794500" cy="9918700"/>
   <p:defaultTextStyle>
     <a:defPPr>
@@ -159,12 +159,12 @@
   <p:extLst>
     <p:ext uri="{EFAFB233-063F-42B5-8137-9DF3F51BA10A}">
       <p15:sldGuideLst xmlns:p15="http://schemas.microsoft.com/office/powerpoint/2012/main">
-        <p15:guide id="1" orient="horz" pos="2160">
+        <p15:guide id="1" orient="horz" pos="2160" userDrawn="1">
           <p15:clr>
             <a:srgbClr val="A4A3A4"/>
           </p15:clr>
         </p15:guide>
-        <p15:guide id="2" pos="2880">
+        <p15:guide id="2" pos="3840" userDrawn="1">
           <p15:clr>
             <a:srgbClr val="A4A3A4"/>
           </p15:clr>
@@ -561,8 +561,8 @@
         </p:nvSpPr>
         <p:spPr bwMode="auto">
           <a:xfrm>
-            <a:off x="917575" y="744538"/>
-            <a:ext cx="4959350" cy="3719512"/>
+            <a:off x="92075" y="744538"/>
+            <a:ext cx="6610350" cy="3719512"/>
           </a:xfrm>
           <a:prstGeom prst="rect">
             <a:avLst/>
@@ -928,6 +928,10 @@
           </p:nvPr>
         </p:nvSpPr>
         <p:spPr>
+          <a:xfrm>
+            <a:off x="92075" y="744538"/>
+            <a:ext cx="6610350" cy="3719512"/>
+          </a:xfrm>
           <a:ln/>
         </p:spPr>
       </p:sp>
@@ -1165,6 +1169,10 @@
           </p:nvPr>
         </p:nvSpPr>
         <p:spPr>
+          <a:xfrm>
+            <a:off x="92075" y="744538"/>
+            <a:ext cx="6610350" cy="3719512"/>
+          </a:xfrm>
           <a:ln/>
         </p:spPr>
       </p:sp>
@@ -1442,6 +1450,10 @@
           </p:nvPr>
         </p:nvSpPr>
         <p:spPr>
+          <a:xfrm>
+            <a:off x="92075" y="744538"/>
+            <a:ext cx="6610350" cy="3719512"/>
+          </a:xfrm>
           <a:ln/>
         </p:spPr>
       </p:sp>
@@ -1690,6 +1702,10 @@
           </p:nvPr>
         </p:nvSpPr>
         <p:spPr>
+          <a:xfrm>
+            <a:off x="92075" y="744538"/>
+            <a:ext cx="6610350" cy="3719512"/>
+          </a:xfrm>
           <a:ln/>
         </p:spPr>
       </p:sp>
@@ -1952,6 +1968,10 @@
           </p:nvPr>
         </p:nvSpPr>
         <p:spPr>
+          <a:xfrm>
+            <a:off x="92075" y="744538"/>
+            <a:ext cx="6610350" cy="3719512"/>
+          </a:xfrm>
           <a:ln/>
         </p:spPr>
       </p:sp>
@@ -2211,6 +2231,10 @@
           </p:nvPr>
         </p:nvSpPr>
         <p:spPr>
+          <a:xfrm>
+            <a:off x="92075" y="744538"/>
+            <a:ext cx="6610350" cy="3719512"/>
+          </a:xfrm>
           <a:ln/>
         </p:spPr>
       </p:sp>
@@ -2479,7 +2503,12 @@
             <p:ph type="sldImg"/>
           </p:nvPr>
         </p:nvSpPr>
-        <p:spPr/>
+        <p:spPr>
+          <a:xfrm>
+            <a:off x="92075" y="744538"/>
+            <a:ext cx="6610350" cy="3719512"/>
+          </a:xfrm>
+        </p:spPr>
       </p:sp>
       <p:sp>
         <p:nvSpPr>
@@ -2680,6 +2709,10 @@
           </p:nvPr>
         </p:nvSpPr>
         <p:spPr>
+          <a:xfrm>
+            <a:off x="92075" y="744538"/>
+            <a:ext cx="6610350" cy="3719512"/>
+          </a:xfrm>
           <a:ln/>
         </p:spPr>
       </p:sp>
@@ -2988,8 +3021,8 @@
         </p:nvSpPr>
         <p:spPr>
           <a:xfrm>
-            <a:off x="685800" y="2130425"/>
-            <a:ext cx="7772400" cy="1470025"/>
+            <a:off x="914400" y="2130426"/>
+            <a:ext cx="10363200" cy="1470025"/>
           </a:xfrm>
           <a:prstGeom prst="rect">
             <a:avLst/>
@@ -3037,8 +3070,8 @@
         </p:nvSpPr>
         <p:spPr>
           <a:xfrm>
-            <a:off x="1371600" y="3886200"/>
-            <a:ext cx="6400800" cy="1752600"/>
+            <a:off x="1828800" y="3886200"/>
+            <a:ext cx="8534400" cy="1752600"/>
           </a:xfrm>
           <a:prstGeom prst="rect">
             <a:avLst/>
@@ -3120,8 +3153,8 @@
         </p:nvSpPr>
         <p:spPr>
           <a:xfrm>
-            <a:off x="457200" y="6245225"/>
-            <a:ext cx="2133600" cy="476250"/>
+            <a:off x="609600" y="6245225"/>
+            <a:ext cx="2844800" cy="476250"/>
           </a:xfrm>
           <a:prstGeom prst="rect">
             <a:avLst/>
@@ -3183,8 +3216,8 @@
         </p:nvSpPr>
         <p:spPr>
           <a:xfrm>
-            <a:off x="6553200" y="6245225"/>
-            <a:ext cx="2133600" cy="476250"/>
+            <a:off x="8737600" y="6245225"/>
+            <a:ext cx="2844800" cy="476250"/>
           </a:xfrm>
           <a:prstGeom prst="rect">
             <a:avLst/>
@@ -3240,8 +3273,8 @@
         </p:blipFill>
         <p:spPr bwMode="auto">
           <a:xfrm>
-            <a:off x="323528" y="188640"/>
-            <a:ext cx="1104900" cy="2017712"/>
+            <a:off x="431371" y="188640"/>
+            <a:ext cx="1473200" cy="2017712"/>
           </a:xfrm>
           <a:prstGeom prst="rect">
             <a:avLst/>
@@ -3313,8 +3346,8 @@
         </p:nvSpPr>
         <p:spPr>
           <a:xfrm>
-            <a:off x="457200" y="274638"/>
-            <a:ext cx="8229600" cy="742094"/>
+            <a:off x="609600" y="274638"/>
+            <a:ext cx="10972800" cy="742094"/>
           </a:xfrm>
           <a:prstGeom prst="rect">
             <a:avLst/>
@@ -3356,8 +3389,8 @@
         </p:nvSpPr>
         <p:spPr>
           <a:xfrm>
-            <a:off x="457200" y="1160748"/>
-            <a:ext cx="8229600" cy="4965415"/>
+            <a:off x="609600" y="1160749"/>
+            <a:ext cx="10972800" cy="4965415"/>
           </a:xfrm>
           <a:prstGeom prst="rect">
             <a:avLst/>
@@ -3487,8 +3520,8 @@
         </p:nvSpPr>
         <p:spPr>
           <a:xfrm>
-            <a:off x="7272300" y="6263751"/>
-            <a:ext cx="1512168" cy="369332"/>
+            <a:off x="9696400" y="6263751"/>
+            <a:ext cx="2016224" cy="369332"/>
           </a:xfrm>
           <a:prstGeom prst="rect">
             <a:avLst/>
@@ -3580,8 +3613,8 @@
         </p:nvSpPr>
         <p:spPr>
           <a:xfrm>
-            <a:off x="457200" y="274638"/>
-            <a:ext cx="8229600" cy="706090"/>
+            <a:off x="609600" y="274638"/>
+            <a:ext cx="10972800" cy="706090"/>
           </a:xfrm>
           <a:prstGeom prst="rect">
             <a:avLst/>
@@ -3623,8 +3656,8 @@
         </p:nvSpPr>
         <p:spPr>
           <a:xfrm>
-            <a:off x="457200" y="1088740"/>
-            <a:ext cx="4038600" cy="5037423"/>
+            <a:off x="609600" y="1088740"/>
+            <a:ext cx="5384800" cy="5037423"/>
           </a:xfrm>
           <a:prstGeom prst="rect">
             <a:avLst/>
@@ -3710,8 +3743,8 @@
         </p:nvSpPr>
         <p:spPr>
           <a:xfrm>
-            <a:off x="4648200" y="1088740"/>
-            <a:ext cx="4038600" cy="5037423"/>
+            <a:off x="6197600" y="1088740"/>
+            <a:ext cx="5384800" cy="5037423"/>
           </a:xfrm>
           <a:prstGeom prst="rect">
             <a:avLst/>
@@ -3797,8 +3830,8 @@
         </p:nvSpPr>
         <p:spPr>
           <a:xfrm>
-            <a:off x="457200" y="6245225"/>
-            <a:ext cx="2133600" cy="476250"/>
+            <a:off x="609600" y="6245225"/>
+            <a:ext cx="2844800" cy="476250"/>
           </a:xfrm>
           <a:prstGeom prst="rect">
             <a:avLst/>
@@ -3860,8 +3893,8 @@
         </p:nvSpPr>
         <p:spPr>
           <a:xfrm>
-            <a:off x="6553200" y="6245225"/>
-            <a:ext cx="2133600" cy="476250"/>
+            <a:off x="8737600" y="6245225"/>
+            <a:ext cx="2844800" cy="476250"/>
           </a:xfrm>
           <a:prstGeom prst="rect">
             <a:avLst/>
@@ -3902,8 +3935,8 @@
         </p:nvSpPr>
         <p:spPr>
           <a:xfrm>
-            <a:off x="7272300" y="6263751"/>
-            <a:ext cx="1512168" cy="369332"/>
+            <a:off x="9696400" y="6263751"/>
+            <a:ext cx="2016224" cy="369332"/>
           </a:xfrm>
           <a:prstGeom prst="rect">
             <a:avLst/>
@@ -3954,8 +3987,8 @@
         </p:nvSpPr>
         <p:spPr>
           <a:xfrm>
-            <a:off x="287524" y="6231485"/>
-            <a:ext cx="1512168" cy="369332"/>
+            <a:off x="383365" y="6231485"/>
+            <a:ext cx="2016224" cy="369332"/>
           </a:xfrm>
           <a:prstGeom prst="rect">
             <a:avLst/>
@@ -4030,8 +4063,8 @@
         </p:nvSpPr>
         <p:spPr>
           <a:xfrm>
-            <a:off x="457200" y="6245225"/>
-            <a:ext cx="2133600" cy="476250"/>
+            <a:off x="609600" y="6245225"/>
+            <a:ext cx="2844800" cy="476250"/>
           </a:xfrm>
           <a:prstGeom prst="rect">
             <a:avLst/>
@@ -4093,8 +4126,8 @@
         </p:nvSpPr>
         <p:spPr>
           <a:xfrm>
-            <a:off x="6553200" y="6245225"/>
-            <a:ext cx="2133600" cy="476250"/>
+            <a:off x="8737600" y="6245225"/>
+            <a:ext cx="2844800" cy="476250"/>
           </a:xfrm>
           <a:prstGeom prst="rect">
             <a:avLst/>
@@ -4135,8 +4168,8 @@
         </p:nvSpPr>
         <p:spPr>
           <a:xfrm>
-            <a:off x="7272300" y="6263751"/>
-            <a:ext cx="1512168" cy="369332"/>
+            <a:off x="9696400" y="6263751"/>
+            <a:ext cx="2016224" cy="369332"/>
           </a:xfrm>
           <a:prstGeom prst="rect">
             <a:avLst/>
@@ -4187,8 +4220,8 @@
         </p:nvSpPr>
         <p:spPr>
           <a:xfrm>
-            <a:off x="287524" y="6231485"/>
-            <a:ext cx="1512168" cy="369332"/>
+            <a:off x="383365" y="6231485"/>
+            <a:ext cx="2016224" cy="369332"/>
           </a:xfrm>
           <a:prstGeom prst="rect">
             <a:avLst/>
@@ -4282,8 +4315,8 @@
         </p:blipFill>
         <p:spPr bwMode="auto">
           <a:xfrm>
-            <a:off x="0" y="0"/>
-            <a:ext cx="9144000" cy="1000125"/>
+            <a:off x="0" y="1"/>
+            <a:ext cx="12192000" cy="1000125"/>
           </a:xfrm>
           <a:prstGeom prst="rect">
             <a:avLst/>
@@ -4325,8 +4358,8 @@
         </p:nvSpPr>
         <p:spPr bwMode="auto">
           <a:xfrm>
-            <a:off x="3124200" y="6245225"/>
-            <a:ext cx="2895600" cy="476250"/>
+            <a:off x="4165600" y="6245225"/>
+            <a:ext cx="3860800" cy="476250"/>
           </a:xfrm>
           <a:prstGeom prst="rect">
             <a:avLst/>
@@ -4405,8 +4438,8 @@
         </p:blipFill>
         <p:spPr bwMode="auto">
           <a:xfrm>
-            <a:off x="0" y="0"/>
-            <a:ext cx="2916238" cy="1000125"/>
+            <a:off x="0" y="1"/>
+            <a:ext cx="3888317" cy="1000125"/>
           </a:xfrm>
           <a:prstGeom prst="rect">
             <a:avLst/>
@@ -4896,10 +4929,14 @@
           <a:lstStyle/>
           <a:p>
             <a:r>
-              <a:rPr lang="zh-CN" altLang="en-US" smtClean="0"/>
-              <a:t>类的封装</a:t>
-            </a:r>
-            <a:endParaRPr lang="zh-CN" altLang="en-US"/>
+              <a:rPr lang="zh-CN" altLang="en-US" dirty="0" smtClean="0"/>
+              <a:t>第五章  类</a:t>
+            </a:r>
+            <a:r>
+              <a:rPr lang="zh-CN" altLang="en-US" dirty="0" smtClean="0"/>
+              <a:t>的封装</a:t>
+            </a:r>
+            <a:endParaRPr lang="zh-CN" altLang="en-US" dirty="0"/>
           </a:p>
         </p:txBody>
       </p:sp>
@@ -4918,10 +4955,6 @@
           <a:bodyPr/>
           <a:lstStyle/>
           <a:p>
-            <a:r>
-              <a:rPr lang="zh-CN" altLang="en-US" dirty="0" smtClean="0"/>
-              <a:t>李玮玮</a:t>
-            </a:r>
             <a:endParaRPr lang="zh-CN" altLang="en-US" dirty="0"/>
           </a:p>
         </p:txBody>
@@ -5136,11 +5169,21 @@
             <p:ph idx="1"/>
           </p:nvPr>
         </p:nvSpPr>
-        <p:spPr/>
+        <p:spPr>
+          <a:xfrm>
+            <a:off x="609600" y="1052736"/>
+            <a:ext cx="10972800" cy="6012667"/>
+          </a:xfrm>
+        </p:spPr>
         <p:txBody>
           <a:bodyPr/>
           <a:lstStyle/>
           <a:p>
+            <a:pPr>
+              <a:lnSpc>
+                <a:spcPct val="150000"/>
+              </a:lnSpc>
+            </a:pPr>
             <a:r>
               <a:rPr lang="en-US" altLang="zh-CN" dirty="0" smtClean="0"/>
               <a:t>public</a:t>
@@ -5152,7 +5195,11 @@
             <a:endParaRPr lang="en-US" altLang="zh-CN" dirty="0" smtClean="0"/>
           </a:p>
           <a:p>
-            <a:pPr lvl="1"/>
+            <a:pPr lvl="1">
+              <a:lnSpc>
+                <a:spcPct val="150000"/>
+              </a:lnSpc>
+            </a:pPr>
             <a:r>
               <a:rPr lang="zh-CN" altLang="en-US" dirty="0" smtClean="0"/>
               <a:t>成员方法或变量声明为</a:t>
@@ -5167,7 +5214,11 @@
             </a:r>
           </a:p>
           <a:p>
-            <a:pPr lvl="2"/>
+            <a:pPr lvl="2">
+              <a:lnSpc>
+                <a:spcPct val="150000"/>
+              </a:lnSpc>
+            </a:pPr>
             <a:r>
               <a:rPr lang="zh-CN" altLang="en-US" dirty="0" smtClean="0"/>
               <a:t>可以被所有的类访问的成员（前提所属类本身是可见的）</a:t>
@@ -5175,6 +5226,11 @@
             <a:endParaRPr lang="en-US" altLang="zh-CN" dirty="0" smtClean="0"/>
           </a:p>
           <a:p>
+            <a:pPr>
+              <a:lnSpc>
+                <a:spcPct val="150000"/>
+              </a:lnSpc>
+            </a:pPr>
             <a:r>
               <a:rPr lang="en-US" altLang="zh-CN" dirty="0" smtClean="0"/>
               <a:t>private</a:t>
@@ -5186,14 +5242,22 @@
             <a:endParaRPr lang="en-US" altLang="zh-CN" dirty="0" smtClean="0"/>
           </a:p>
           <a:p>
-            <a:pPr lvl="1"/>
+            <a:pPr lvl="1">
+              <a:lnSpc>
+                <a:spcPct val="150000"/>
+              </a:lnSpc>
+            </a:pPr>
             <a:r>
               <a:rPr lang="zh-CN" altLang="en-US" dirty="0" smtClean="0"/>
               <a:t>不能被其所在类以外的任何类访问</a:t>
             </a:r>
           </a:p>
           <a:p>
-            <a:pPr lvl="2"/>
+            <a:pPr lvl="2">
+              <a:lnSpc>
+                <a:spcPct val="150000"/>
+              </a:lnSpc>
+            </a:pPr>
             <a:r>
               <a:rPr lang="zh-CN" altLang="en-US" dirty="0" smtClean="0"/>
               <a:t>声明为</a:t>
@@ -5217,6 +5281,11 @@
             <a:endParaRPr lang="en-US" altLang="zh-CN" dirty="0" smtClean="0"/>
           </a:p>
           <a:p>
+            <a:pPr>
+              <a:lnSpc>
+                <a:spcPct val="150000"/>
+              </a:lnSpc>
+            </a:pPr>
             <a:r>
               <a:rPr lang="en-US" altLang="zh-CN" dirty="0" err="1" smtClean="0"/>
               <a:t>protecte</a:t>
@@ -5231,7 +5300,11 @@
             </a:r>
           </a:p>
           <a:p>
-            <a:pPr lvl="1"/>
+            <a:pPr lvl="1">
+              <a:lnSpc>
+                <a:spcPct val="150000"/>
+              </a:lnSpc>
+            </a:pPr>
             <a:r>
               <a:rPr lang="zh-CN" altLang="en-US" dirty="0" smtClean="0"/>
               <a:t>声明为</a:t>
@@ -5246,25 +5319,33 @@
             </a:r>
           </a:p>
           <a:p>
-            <a:pPr lvl="1"/>
+            <a:pPr lvl="1">
+              <a:lnSpc>
+                <a:spcPct val="150000"/>
+              </a:lnSpc>
+            </a:pPr>
             <a:r>
               <a:rPr lang="zh-CN" altLang="en-US" dirty="0" smtClean="0"/>
-              <a:t>可以被同一包内的类访问和</a:t>
-            </a:r>
-            <a:r>
-              <a:rPr lang="zh-CN" altLang="en-US" smtClean="0"/>
-              <a:t>被子类继承</a:t>
-            </a:r>
-            <a:endParaRPr lang="zh-CN" altLang="en-US" dirty="0" smtClean="0"/>
-          </a:p>
-          <a:p>
+              <a:t>可以被同一包内的类访问和被子类继承</a:t>
+            </a:r>
+          </a:p>
+          <a:p>
+            <a:pPr>
+              <a:lnSpc>
+                <a:spcPct val="150000"/>
+              </a:lnSpc>
+            </a:pPr>
             <a:r>
               <a:rPr lang="zh-CN" altLang="en-US" dirty="0" smtClean="0"/>
               <a:t>没有任何修饰符的成员，称为默认成员</a:t>
             </a:r>
           </a:p>
           <a:p>
-            <a:pPr lvl="1"/>
+            <a:pPr lvl="1">
+              <a:lnSpc>
+                <a:spcPct val="150000"/>
+              </a:lnSpc>
+            </a:pPr>
             <a:r>
               <a:rPr lang="zh-CN" altLang="en-US" dirty="0" smtClean="0"/>
               <a:t>只能被</a:t>
@@ -5275,14 +5356,12 @@
             </a:r>
             <a:r>
               <a:rPr lang="zh-CN" altLang="en-US" dirty="0" smtClean="0"/>
-              <a:t>同一包内的类访问</a:t>
-            </a:r>
-          </a:p>
-          <a:p>
-            <a:pPr lvl="1"/>
-            <a:endParaRPr lang="en-US" altLang="zh-CN" dirty="0" smtClean="0"/>
-          </a:p>
-          <a:p>
+              <a:t>同一包内的类</a:t>
+            </a:r>
+            <a:r>
+              <a:rPr lang="zh-CN" altLang="en-US" dirty="0" smtClean="0"/>
+              <a:t>访问</a:t>
+            </a:r>
             <a:endParaRPr lang="zh-CN" altLang="zh-CN" dirty="0" smtClean="0"/>
           </a:p>
         </p:txBody>
@@ -5329,7 +5408,7 @@
         </p:nvSpPr>
         <p:spPr bwMode="auto">
           <a:xfrm>
-            <a:off x="466923" y="1453704"/>
+            <a:off x="1990924" y="1453704"/>
             <a:ext cx="8137525" cy="4207544"/>
           </a:xfrm>
           <a:prstGeom prst="rect">
@@ -5339,9 +5418,7 @@
             <a:srgbClr val="FFCC99"/>
           </a:solidFill>
           <a:ln w="9525">
-            <a:solidFill>
-              <a:schemeClr val="tx1"/>
-            </a:solidFill>
+            <a:noFill/>
             <a:miter lim="800000"/>
             <a:headEnd/>
             <a:tailEnd/>
@@ -5448,90 +5525,224 @@
             </a:lvl9pPr>
           </a:lstStyle>
           <a:p>
-            <a:r>
-              <a:rPr lang="en-US" altLang="zh-CN" sz="2400"/>
+            <a:pPr>
+              <a:lnSpc>
+                <a:spcPct val="150000"/>
+              </a:lnSpc>
+            </a:pPr>
+            <a:r>
+              <a:rPr lang="en-US" altLang="zh-CN" sz="1800">
+                <a:solidFill>
+                  <a:schemeClr val="tx1"/>
+                </a:solidFill>
+              </a:rPr>
               <a:t>pulic class Student{</a:t>
             </a:r>
-            <a:endParaRPr lang="zh-CN" altLang="zh-CN" sz="2400"/>
-          </a:p>
-          <a:p>
-            <a:r>
-              <a:rPr lang="en-US" altLang="zh-CN" sz="2400"/>
+            <a:endParaRPr lang="zh-CN" altLang="zh-CN" sz="1800">
+              <a:solidFill>
+                <a:schemeClr val="tx1"/>
+              </a:solidFill>
+            </a:endParaRPr>
+          </a:p>
+          <a:p>
+            <a:pPr>
+              <a:lnSpc>
+                <a:spcPct val="150000"/>
+              </a:lnSpc>
+            </a:pPr>
+            <a:r>
+              <a:rPr lang="en-US" altLang="zh-CN" sz="1800">
+                <a:solidFill>
+                  <a:schemeClr val="tx1"/>
+                </a:solidFill>
+              </a:rPr>
               <a:t>	public  String name;</a:t>
             </a:r>
-            <a:endParaRPr lang="zh-CN" altLang="zh-CN" sz="2400"/>
-          </a:p>
-          <a:p>
-            <a:r>
-              <a:rPr lang="en-US" altLang="zh-CN" sz="2400"/>
+            <a:endParaRPr lang="zh-CN" altLang="zh-CN" sz="1800">
+              <a:solidFill>
+                <a:schemeClr val="tx1"/>
+              </a:solidFill>
+            </a:endParaRPr>
+          </a:p>
+          <a:p>
+            <a:pPr>
+              <a:lnSpc>
+                <a:spcPct val="150000"/>
+              </a:lnSpc>
+            </a:pPr>
+            <a:r>
+              <a:rPr lang="en-US" altLang="zh-CN" sz="1800">
+                <a:solidFill>
+                  <a:schemeClr val="tx1"/>
+                </a:solidFill>
+              </a:rPr>
               <a:t> 	public  int   id;</a:t>
             </a:r>
-            <a:endParaRPr lang="zh-CN" altLang="zh-CN" sz="2400"/>
-          </a:p>
-          <a:p>
-            <a:r>
-              <a:rPr lang="en-US" altLang="zh-CN" sz="2400"/>
+            <a:endParaRPr lang="zh-CN" altLang="zh-CN" sz="1800">
+              <a:solidFill>
+                <a:schemeClr val="tx1"/>
+              </a:solidFill>
+            </a:endParaRPr>
+          </a:p>
+          <a:p>
+            <a:pPr>
+              <a:lnSpc>
+                <a:spcPct val="150000"/>
+              </a:lnSpc>
+            </a:pPr>
+            <a:r>
+              <a:rPr lang="en-US" altLang="zh-CN" sz="1800">
+                <a:solidFill>
+                  <a:schemeClr val="tx1"/>
+                </a:solidFill>
+              </a:rPr>
               <a:t>  	private int  age;</a:t>
             </a:r>
           </a:p>
           <a:p>
-            <a:r>
-              <a:rPr lang="en-US" altLang="zh-CN" sz="2400"/>
+            <a:pPr>
+              <a:lnSpc>
+                <a:spcPct val="150000"/>
+              </a:lnSpc>
+            </a:pPr>
+            <a:r>
+              <a:rPr lang="en-US" altLang="zh-CN" sz="1800">
+                <a:solidFill>
+                  <a:schemeClr val="tx1"/>
+                </a:solidFill>
+              </a:rPr>
               <a:t> 	public void print(){</a:t>
             </a:r>
           </a:p>
           <a:p>
-            <a:r>
-              <a:rPr lang="en-US" altLang="zh-CN" sz="2400"/>
+            <a:pPr>
+              <a:lnSpc>
+                <a:spcPct val="150000"/>
+              </a:lnSpc>
+            </a:pPr>
+            <a:r>
+              <a:rPr lang="en-US" altLang="zh-CN" sz="1800">
+                <a:solidFill>
+                  <a:schemeClr val="tx1"/>
+                </a:solidFill>
+              </a:rPr>
               <a:t>               System.out.println(“</a:t>
             </a:r>
             <a:r>
-              <a:rPr lang="zh-CN" altLang="en-US" sz="2400"/>
+              <a:rPr lang="zh-CN" altLang="en-US" sz="1800">
+                <a:solidFill>
+                  <a:schemeClr val="tx1"/>
+                </a:solidFill>
+              </a:rPr>
               <a:t>姓名</a:t>
             </a:r>
             <a:r>
-              <a:rPr lang="en-US" altLang="zh-CN" sz="2400"/>
+              <a:rPr lang="en-US" altLang="zh-CN" sz="1800">
+                <a:solidFill>
+                  <a:schemeClr val="tx1"/>
+                </a:solidFill>
+              </a:rPr>
               <a:t>=”+name</a:t>
             </a:r>
           </a:p>
           <a:p>
-            <a:r>
-              <a:rPr lang="en-US" altLang="zh-CN" sz="2400"/>
+            <a:pPr>
+              <a:lnSpc>
+                <a:spcPct val="150000"/>
+              </a:lnSpc>
+            </a:pPr>
+            <a:r>
+              <a:rPr lang="en-US" altLang="zh-CN" sz="1800">
+                <a:solidFill>
+                  <a:schemeClr val="tx1"/>
+                </a:solidFill>
+              </a:rPr>
               <a:t>	     +”</a:t>
             </a:r>
             <a:r>
-              <a:rPr lang="zh-CN" altLang="en-US" sz="2400"/>
+              <a:rPr lang="zh-CN" altLang="en-US" sz="1800">
+                <a:solidFill>
+                  <a:schemeClr val="tx1"/>
+                </a:solidFill>
+              </a:rPr>
               <a:t>学号 </a:t>
             </a:r>
             <a:r>
-              <a:rPr lang="en-US" altLang="zh-CN" sz="2400"/>
+              <a:rPr lang="en-US" altLang="zh-CN" sz="1800">
+                <a:solidFill>
+                  <a:schemeClr val="tx1"/>
+                </a:solidFill>
+              </a:rPr>
               <a:t>=”+id + “</a:t>
             </a:r>
             <a:r>
-              <a:rPr lang="zh-CN" altLang="en-US" sz="2400"/>
+              <a:rPr lang="zh-CN" altLang="en-US" sz="1800">
+                <a:solidFill>
+                  <a:schemeClr val="tx1"/>
+                </a:solidFill>
+              </a:rPr>
               <a:t>年龄 </a:t>
             </a:r>
             <a:r>
-              <a:rPr lang="en-US" altLang="zh-CN" sz="2400"/>
+              <a:rPr lang="en-US" altLang="zh-CN" sz="1800">
+                <a:solidFill>
+                  <a:schemeClr val="tx1"/>
+                </a:solidFill>
+              </a:rPr>
               <a:t>= ”+age);</a:t>
             </a:r>
           </a:p>
           <a:p>
-            <a:r>
-              <a:rPr lang="en-US" altLang="zh-CN" sz="2400"/>
+            <a:pPr>
+              <a:lnSpc>
+                <a:spcPct val="150000"/>
+              </a:lnSpc>
+            </a:pPr>
+            <a:r>
+              <a:rPr lang="en-US" altLang="zh-CN" sz="1800">
+                <a:solidFill>
+                  <a:schemeClr val="tx1"/>
+                </a:solidFill>
+              </a:rPr>
               <a:t>  	}</a:t>
             </a:r>
-            <a:endParaRPr lang="zh-CN" altLang="zh-CN" sz="2400"/>
-          </a:p>
-          <a:p>
-            <a:r>
-              <a:rPr lang="en-US" altLang="zh-CN" sz="2400"/>
+            <a:endParaRPr lang="zh-CN" altLang="zh-CN" sz="1800">
+              <a:solidFill>
+                <a:schemeClr val="tx1"/>
+              </a:solidFill>
+            </a:endParaRPr>
+          </a:p>
+          <a:p>
+            <a:pPr>
+              <a:lnSpc>
+                <a:spcPct val="150000"/>
+              </a:lnSpc>
+            </a:pPr>
+            <a:r>
+              <a:rPr lang="en-US" altLang="zh-CN" sz="1800">
+                <a:solidFill>
+                  <a:schemeClr val="tx1"/>
+                </a:solidFill>
+              </a:rPr>
               <a:t>}</a:t>
             </a:r>
-            <a:endParaRPr lang="zh-CN" altLang="zh-CN" sz="2400"/>
-          </a:p>
-          <a:p>
-            <a:endParaRPr lang="zh-CN" altLang="en-US" sz="2400" dirty="0"/>
+            <a:endParaRPr lang="zh-CN" altLang="zh-CN" sz="1800">
+              <a:solidFill>
+                <a:schemeClr val="tx1"/>
+              </a:solidFill>
+            </a:endParaRPr>
+          </a:p>
+          <a:p>
+            <a:pPr>
+              <a:lnSpc>
+                <a:spcPct val="150000"/>
+              </a:lnSpc>
+            </a:pPr>
+            <a:endParaRPr lang="zh-CN" altLang="en-US" sz="1800" dirty="0">
+              <a:solidFill>
+                <a:schemeClr val="tx1"/>
+              </a:solidFill>
+            </a:endParaRPr>
           </a:p>
         </p:txBody>
       </p:sp>
@@ -5565,7 +5776,7 @@
         </p:nvCxnSpPr>
         <p:spPr bwMode="auto">
           <a:xfrm flipH="1">
-            <a:off x="4067175" y="1952625"/>
+            <a:off x="5591176" y="1952626"/>
             <a:ext cx="2111375" cy="468313"/>
           </a:xfrm>
           <a:prstGeom prst="straightConnector1">
@@ -5604,7 +5815,7 @@
         </p:nvCxnSpPr>
         <p:spPr bwMode="auto">
           <a:xfrm flipH="1">
-            <a:off x="4356100" y="1952625"/>
+            <a:off x="5880100" y="1952625"/>
             <a:ext cx="1822450" cy="0"/>
           </a:xfrm>
           <a:prstGeom prst="straightConnector1">
@@ -5643,7 +5854,7 @@
         </p:nvCxnSpPr>
         <p:spPr bwMode="auto">
           <a:xfrm flipH="1">
-            <a:off x="3779838" y="1952625"/>
+            <a:off x="5303838" y="1952625"/>
             <a:ext cx="2398712" cy="1004888"/>
           </a:xfrm>
           <a:prstGeom prst="straightConnector1">
@@ -5682,7 +5893,7 @@
         </p:nvCxnSpPr>
         <p:spPr bwMode="auto">
           <a:xfrm flipH="1">
-            <a:off x="4219575" y="1952625"/>
+            <a:off x="5743576" y="1952625"/>
             <a:ext cx="1958975" cy="1327150"/>
           </a:xfrm>
           <a:prstGeom prst="straightConnector1">
@@ -5721,7 +5932,7 @@
         </p:nvCxnSpPr>
         <p:spPr bwMode="auto">
           <a:xfrm flipH="1" flipV="1">
-            <a:off x="3779838" y="2957513"/>
+            <a:off x="5303838" y="2957513"/>
             <a:ext cx="2470150" cy="322262"/>
           </a:xfrm>
           <a:prstGeom prst="straightConnector1">
@@ -5762,7 +5973,7 @@
         </p:nvSpPr>
         <p:spPr bwMode="auto">
           <a:xfrm>
-            <a:off x="6178550" y="1516063"/>
+            <a:off x="7702550" y="1516063"/>
             <a:ext cx="971550" cy="671512"/>
           </a:xfrm>
           <a:prstGeom prst="rect">
@@ -5909,7 +6120,7 @@
         </p:nvSpPr>
         <p:spPr bwMode="auto">
           <a:xfrm>
-            <a:off x="6237288" y="2894013"/>
+            <a:off x="7761289" y="2894013"/>
             <a:ext cx="973137" cy="679450"/>
           </a:xfrm>
           <a:prstGeom prst="rect">
@@ -6334,60 +6545,75 @@
           <a:bodyPr/>
           <a:lstStyle/>
           <a:p>
-            <a:r>
-              <a:rPr lang="zh-CN" altLang="en-US" smtClean="0"/>
+            <a:pPr>
+              <a:lnSpc>
+                <a:spcPct val="150000"/>
+              </a:lnSpc>
+            </a:pPr>
+            <a:r>
+              <a:rPr lang="zh-CN" altLang="en-US" dirty="0" smtClean="0"/>
               <a:t>对象的</a:t>
             </a:r>
             <a:r>
-              <a:rPr lang="en-US" altLang="zh-CN" smtClean="0"/>
+              <a:rPr lang="en-US" altLang="zh-CN" dirty="0" smtClean="0"/>
               <a:t>private</a:t>
             </a:r>
             <a:r>
-              <a:rPr lang="zh-CN" altLang="en-US" smtClean="0"/>
+              <a:rPr lang="zh-CN" altLang="en-US" dirty="0" smtClean="0"/>
               <a:t>成员，被隐藏，不可被对象使用者访问</a:t>
             </a:r>
             <a:r>
-              <a:rPr lang="en-US" altLang="zh-CN" smtClean="0"/>
+              <a:rPr lang="en-US" altLang="zh-CN" dirty="0" smtClean="0"/>
               <a:t>;</a:t>
             </a:r>
-            <a:endParaRPr lang="zh-CN" altLang="en-US" smtClean="0"/>
-          </a:p>
-          <a:p>
-            <a:r>
-              <a:rPr lang="zh-CN" altLang="en-US" smtClean="0"/>
+            <a:endParaRPr lang="zh-CN" altLang="en-US" dirty="0" smtClean="0"/>
+          </a:p>
+          <a:p>
+            <a:pPr>
+              <a:lnSpc>
+                <a:spcPct val="150000"/>
+              </a:lnSpc>
+            </a:pPr>
+            <a:r>
+              <a:rPr lang="zh-CN" altLang="en-US" dirty="0" smtClean="0"/>
               <a:t>对象的</a:t>
             </a:r>
             <a:r>
-              <a:rPr lang="en-US" altLang="zh-CN" smtClean="0"/>
+              <a:rPr lang="en-US" altLang="zh-CN" dirty="0" smtClean="0"/>
               <a:t>public</a:t>
             </a:r>
             <a:r>
-              <a:rPr lang="zh-CN" altLang="en-US" smtClean="0"/>
+              <a:rPr lang="zh-CN" altLang="en-US" dirty="0" smtClean="0"/>
               <a:t>成员，被公开，可被对象使用者访问</a:t>
             </a:r>
             <a:r>
-              <a:rPr lang="en-US" altLang="zh-CN" smtClean="0"/>
+              <a:rPr lang="en-US" altLang="zh-CN" dirty="0" smtClean="0"/>
               <a:t>;</a:t>
             </a:r>
-            <a:endParaRPr lang="zh-CN" altLang="en-US" smtClean="0"/>
-          </a:p>
-          <a:p>
-            <a:r>
-              <a:rPr lang="zh-CN" altLang="en-US" smtClean="0"/>
+            <a:endParaRPr lang="zh-CN" altLang="en-US" dirty="0" smtClean="0"/>
+          </a:p>
+          <a:p>
+            <a:pPr>
+              <a:lnSpc>
+                <a:spcPct val="150000"/>
+              </a:lnSpc>
+            </a:pPr>
+            <a:r>
+              <a:rPr lang="zh-CN" altLang="en-US" dirty="0" smtClean="0"/>
               <a:t>关于</a:t>
             </a:r>
             <a:r>
-              <a:rPr lang="en-US" altLang="zh-CN" smtClean="0"/>
+              <a:rPr lang="en-US" altLang="zh-CN" dirty="0" smtClean="0"/>
               <a:t>protected</a:t>
             </a:r>
             <a:r>
-              <a:rPr lang="zh-CN" altLang="en-US" smtClean="0"/>
+              <a:rPr lang="zh-CN" altLang="en-US" dirty="0" smtClean="0"/>
               <a:t>成员，将在“继承“一讲中阐述。</a:t>
             </a:r>
-            <a:endParaRPr lang="en-US" altLang="zh-CN" smtClean="0"/>
-          </a:p>
-          <a:p>
-            <a:endParaRPr lang="zh-CN" altLang="en-US" smtClean="0"/>
+            <a:endParaRPr lang="en-US" altLang="zh-CN" dirty="0" smtClean="0"/>
+          </a:p>
+          <a:p>
+            <a:endParaRPr lang="zh-CN" altLang="en-US" dirty="0" smtClean="0"/>
           </a:p>
         </p:txBody>
       </p:sp>
@@ -6401,7 +6627,7 @@
         </p:nvSpPr>
         <p:spPr bwMode="auto">
           <a:xfrm>
-            <a:off x="611188" y="2852738"/>
+            <a:off x="1847528" y="3284686"/>
             <a:ext cx="8137525" cy="3168650"/>
           </a:xfrm>
           <a:prstGeom prst="rect">
@@ -6411,9 +6637,7 @@
             <a:srgbClr val="FFCC99"/>
           </a:solidFill>
           <a:ln w="9525">
-            <a:solidFill>
-              <a:schemeClr val="tx1"/>
-            </a:solidFill>
+            <a:noFill/>
             <a:miter lim="800000"/>
             <a:headEnd/>
             <a:tailEnd/>
@@ -6521,12 +6745,15 @@
           </a:lstStyle>
           <a:p>
             <a:pPr>
+              <a:lnSpc>
+                <a:spcPct val="150000"/>
+              </a:lnSpc>
               <a:spcBef>
                 <a:spcPct val="20000"/>
               </a:spcBef>
             </a:pPr>
             <a:r>
-              <a:rPr lang="en-US" altLang="zh-CN" sz="2400" dirty="0">
+              <a:rPr lang="en-US" altLang="zh-CN" sz="1800" dirty="0">
                 <a:solidFill>
                   <a:schemeClr val="tx1"/>
                 </a:solidFill>
@@ -6538,12 +6765,15 @@
           </a:p>
           <a:p>
             <a:pPr>
+              <a:lnSpc>
+                <a:spcPct val="150000"/>
+              </a:lnSpc>
               <a:spcBef>
                 <a:spcPct val="20000"/>
               </a:spcBef>
             </a:pPr>
             <a:r>
-              <a:rPr lang="en-US" altLang="zh-CN" sz="2400" dirty="0">
+              <a:rPr lang="en-US" altLang="zh-CN" sz="1800" dirty="0">
                 <a:solidFill>
                   <a:schemeClr val="tx1"/>
                 </a:solidFill>
@@ -6555,12 +6785,15 @@
           </a:p>
           <a:p>
             <a:pPr>
+              <a:lnSpc>
+                <a:spcPct val="150000"/>
+              </a:lnSpc>
               <a:spcBef>
                 <a:spcPct val="20000"/>
               </a:spcBef>
             </a:pPr>
             <a:r>
-              <a:rPr lang="en-US" altLang="zh-CN" sz="2400" dirty="0">
+              <a:rPr lang="en-US" altLang="zh-CN" sz="1800" dirty="0">
                 <a:solidFill>
                   <a:schemeClr val="tx1"/>
                 </a:solidFill>
@@ -6570,7 +6803,7 @@
               <a:t>        Student  tom= new Student();//</a:t>
             </a:r>
             <a:r>
-              <a:rPr lang="en-US" altLang="zh-CN" sz="2400" dirty="0" err="1">
+              <a:rPr lang="en-US" altLang="zh-CN" sz="1800" dirty="0" err="1">
                 <a:solidFill>
                   <a:schemeClr val="tx1"/>
                 </a:solidFill>
@@ -6580,7 +6813,7 @@
               <a:t>xiaoming</a:t>
             </a:r>
             <a:r>
-              <a:rPr lang="zh-CN" altLang="en-US" sz="2400" dirty="0">
+              <a:rPr lang="zh-CN" altLang="en-US" sz="1800" dirty="0">
                 <a:solidFill>
                   <a:schemeClr val="tx1"/>
                 </a:solidFill>
@@ -6589,7 +6822,7 @@
               </a:rPr>
               <a:t>对象</a:t>
             </a:r>
-            <a:endParaRPr lang="en-US" altLang="zh-CN" sz="2400" dirty="0">
+            <a:endParaRPr lang="en-US" altLang="zh-CN" sz="1800" dirty="0">
               <a:solidFill>
                 <a:schemeClr val="tx1"/>
               </a:solidFill>
@@ -6599,12 +6832,15 @@
           </a:p>
           <a:p>
             <a:pPr>
+              <a:lnSpc>
+                <a:spcPct val="150000"/>
+              </a:lnSpc>
               <a:spcBef>
                 <a:spcPct val="20000"/>
               </a:spcBef>
             </a:pPr>
             <a:r>
-              <a:rPr lang="en-US" altLang="zh-CN" sz="2400" dirty="0">
+              <a:rPr lang="en-US" altLang="zh-CN" sz="1800" dirty="0">
                 <a:solidFill>
                   <a:schemeClr val="tx1"/>
                 </a:solidFill>
@@ -6614,7 +6850,7 @@
               <a:t>        tom.name=“Tom”;       //name</a:t>
             </a:r>
             <a:r>
-              <a:rPr lang="zh-CN" altLang="en-US" sz="2400" dirty="0">
+              <a:rPr lang="zh-CN" altLang="en-US" sz="1800" dirty="0">
                 <a:solidFill>
                   <a:schemeClr val="tx1"/>
                 </a:solidFill>
@@ -6624,7 +6860,7 @@
               <a:t>是</a:t>
             </a:r>
             <a:r>
-              <a:rPr lang="en-US" altLang="zh-CN" sz="2400" dirty="0">
+              <a:rPr lang="en-US" altLang="zh-CN" sz="1800" dirty="0">
                 <a:solidFill>
                   <a:schemeClr val="tx1"/>
                 </a:solidFill>
@@ -6634,7 +6870,7 @@
               <a:t>public</a:t>
             </a:r>
             <a:r>
-              <a:rPr lang="zh-CN" altLang="en-US" sz="2400" dirty="0">
+              <a:rPr lang="zh-CN" altLang="en-US" sz="1800" dirty="0">
                 <a:solidFill>
                   <a:schemeClr val="tx1"/>
                 </a:solidFill>
@@ -6643,7 +6879,7 @@
               </a:rPr>
               <a:t>成员</a:t>
             </a:r>
-            <a:endParaRPr lang="en-US" altLang="zh-CN" sz="2400" dirty="0">
+            <a:endParaRPr lang="en-US" altLang="zh-CN" sz="1800" dirty="0">
               <a:solidFill>
                 <a:schemeClr val="tx1"/>
               </a:solidFill>
@@ -6653,12 +6889,15 @@
           </a:p>
           <a:p>
             <a:pPr>
+              <a:lnSpc>
+                <a:spcPct val="150000"/>
+              </a:lnSpc>
               <a:spcBef>
                 <a:spcPct val="20000"/>
               </a:spcBef>
             </a:pPr>
             <a:r>
-              <a:rPr lang="en-US" altLang="zh-CN" sz="2400" dirty="0">
+              <a:rPr lang="en-US" altLang="zh-CN" sz="1800" dirty="0">
                 <a:solidFill>
                   <a:schemeClr val="tx1"/>
                 </a:solidFill>
@@ -6668,7 +6907,7 @@
               <a:t>        </a:t>
             </a:r>
             <a:r>
-              <a:rPr lang="en-US" altLang="zh-CN" sz="2400" dirty="0">
+              <a:rPr lang="en-US" altLang="zh-CN" sz="1800" dirty="0">
                 <a:solidFill>
                   <a:srgbClr val="FF0000"/>
                 </a:solidFill>
@@ -6678,7 +6917,7 @@
               <a:t>//</a:t>
             </a:r>
             <a:r>
-              <a:rPr lang="en-US" altLang="zh-CN" sz="2400" dirty="0" err="1">
+              <a:rPr lang="en-US" altLang="zh-CN" sz="1800" dirty="0" err="1">
                 <a:solidFill>
                   <a:srgbClr val="FF0000"/>
                 </a:solidFill>
@@ -6688,7 +6927,7 @@
               <a:t>tome.age</a:t>
             </a:r>
             <a:r>
-              <a:rPr lang="en-US" altLang="zh-CN" sz="2400" dirty="0">
+              <a:rPr lang="en-US" altLang="zh-CN" sz="1800" dirty="0">
                 <a:solidFill>
                   <a:srgbClr val="FF0000"/>
                 </a:solidFill>
@@ -6698,7 +6937,7 @@
               <a:t> = 22</a:t>
             </a:r>
             <a:r>
-              <a:rPr lang="en-US" altLang="zh-CN" sz="2400" dirty="0">
+              <a:rPr lang="en-US" altLang="zh-CN" sz="1800" dirty="0">
                 <a:solidFill>
                   <a:schemeClr val="tx1"/>
                 </a:solidFill>
@@ -6708,7 +6947,7 @@
               <a:t>;    // </a:t>
             </a:r>
             <a:r>
-              <a:rPr lang="zh-CN" altLang="en-US" sz="2400" dirty="0">
+              <a:rPr lang="zh-CN" altLang="en-US" sz="1800" dirty="0">
                 <a:solidFill>
                   <a:schemeClr val="tx1"/>
                 </a:solidFill>
@@ -6718,7 +6957,7 @@
               <a:t>编译出错，</a:t>
             </a:r>
             <a:r>
-              <a:rPr lang="en-US" altLang="zh-CN" sz="2400" dirty="0">
+              <a:rPr lang="en-US" altLang="zh-CN" sz="1800" dirty="0">
                 <a:solidFill>
                   <a:schemeClr val="tx1"/>
                 </a:solidFill>
@@ -6728,7 +6967,7 @@
               <a:t>age</a:t>
             </a:r>
             <a:r>
-              <a:rPr lang="zh-CN" altLang="en-US" sz="2400" dirty="0">
+              <a:rPr lang="zh-CN" altLang="en-US" sz="1800" dirty="0">
                 <a:solidFill>
                   <a:schemeClr val="tx1"/>
                 </a:solidFill>
@@ -6738,7 +6977,7 @@
               <a:t>是</a:t>
             </a:r>
             <a:r>
-              <a:rPr lang="en-US" altLang="zh-CN" sz="2400" dirty="0">
+              <a:rPr lang="en-US" altLang="zh-CN" sz="1800" dirty="0">
                 <a:solidFill>
                   <a:schemeClr val="tx1"/>
                 </a:solidFill>
@@ -6748,7 +6987,7 @@
               <a:t>private</a:t>
             </a:r>
             <a:r>
-              <a:rPr lang="zh-CN" altLang="en-US" sz="2400" dirty="0">
+              <a:rPr lang="zh-CN" altLang="en-US" sz="1800" dirty="0">
                 <a:solidFill>
                   <a:schemeClr val="tx1"/>
                 </a:solidFill>
@@ -6757,7 +6996,7 @@
               </a:rPr>
               <a:t>成员</a:t>
             </a:r>
-            <a:endParaRPr lang="en-US" altLang="zh-CN" sz="2400" dirty="0">
+            <a:endParaRPr lang="en-US" altLang="zh-CN" sz="1800" dirty="0">
               <a:solidFill>
                 <a:schemeClr val="tx1"/>
               </a:solidFill>
@@ -6767,12 +7006,15 @@
           </a:p>
           <a:p>
             <a:pPr>
+              <a:lnSpc>
+                <a:spcPct val="150000"/>
+              </a:lnSpc>
               <a:spcBef>
                 <a:spcPct val="20000"/>
               </a:spcBef>
             </a:pPr>
             <a:r>
-              <a:rPr lang="en-US" altLang="zh-CN" sz="2400" dirty="0">
+              <a:rPr lang="en-US" altLang="zh-CN" sz="1800" dirty="0">
                 <a:solidFill>
                   <a:schemeClr val="tx1"/>
                 </a:solidFill>
@@ -6784,12 +7026,15 @@
           </a:p>
           <a:p>
             <a:pPr>
+              <a:lnSpc>
+                <a:spcPct val="150000"/>
+              </a:lnSpc>
               <a:spcBef>
                 <a:spcPct val="20000"/>
               </a:spcBef>
             </a:pPr>
             <a:r>
-              <a:rPr lang="en-US" altLang="zh-CN" sz="2400" dirty="0">
+              <a:rPr lang="en-US" altLang="zh-CN" sz="1800" dirty="0">
                 <a:solidFill>
                   <a:schemeClr val="tx1"/>
                 </a:solidFill>
@@ -6865,99 +7110,144 @@
             <p:ph idx="1"/>
           </p:nvPr>
         </p:nvSpPr>
-        <p:spPr/>
+        <p:spPr>
+          <a:xfrm>
+            <a:off x="609600" y="1160749"/>
+            <a:ext cx="10972800" cy="5580619"/>
+          </a:xfrm>
+        </p:spPr>
         <p:txBody>
           <a:bodyPr/>
           <a:lstStyle/>
           <a:p>
-            <a:r>
-              <a:rPr lang="zh-CN" altLang="en-US" smtClean="0"/>
+            <a:pPr>
+              <a:lnSpc>
+                <a:spcPct val="150000"/>
+              </a:lnSpc>
+            </a:pPr>
+            <a:r>
+              <a:rPr lang="zh-CN" altLang="en-US" dirty="0" smtClean="0"/>
               <a:t>类成员</a:t>
             </a:r>
           </a:p>
           <a:p>
-            <a:pPr lvl="1"/>
-            <a:r>
-              <a:rPr lang="zh-CN" altLang="en-US" smtClean="0"/>
+            <a:pPr lvl="1">
+              <a:lnSpc>
+                <a:spcPct val="150000"/>
+              </a:lnSpc>
+            </a:pPr>
+            <a:r>
+              <a:rPr lang="zh-CN" altLang="en-US" dirty="0" smtClean="0"/>
               <a:t>属性，如：</a:t>
             </a:r>
             <a:r>
-              <a:rPr lang="en-US" altLang="zh-CN" smtClean="0"/>
+              <a:rPr lang="en-US" altLang="zh-CN" dirty="0" smtClean="0"/>
               <a:t>name</a:t>
             </a:r>
           </a:p>
           <a:p>
-            <a:pPr lvl="1"/>
-            <a:r>
-              <a:rPr lang="zh-CN" altLang="en-US" smtClean="0"/>
+            <a:pPr lvl="1">
+              <a:lnSpc>
+                <a:spcPct val="150000"/>
+              </a:lnSpc>
+            </a:pPr>
+            <a:r>
+              <a:rPr lang="zh-CN" altLang="en-US" dirty="0" smtClean="0"/>
               <a:t>方法，如：</a:t>
             </a:r>
             <a:r>
-              <a:rPr lang="en-US" altLang="zh-CN" smtClean="0"/>
+              <a:rPr lang="en-US" altLang="zh-CN" dirty="0" smtClean="0"/>
               <a:t>void print()</a:t>
             </a:r>
           </a:p>
           <a:p>
-            <a:r>
-              <a:rPr lang="zh-CN" altLang="en-US" smtClean="0"/>
+            <a:pPr>
+              <a:lnSpc>
+                <a:spcPct val="150000"/>
+              </a:lnSpc>
+            </a:pPr>
+            <a:r>
+              <a:rPr lang="zh-CN" altLang="en-US" dirty="0" smtClean="0"/>
               <a:t>类的成员</a:t>
             </a:r>
           </a:p>
           <a:p>
-            <a:pPr lvl="1"/>
-            <a:r>
-              <a:rPr lang="zh-CN" altLang="en-US" smtClean="0"/>
+            <a:pPr lvl="1">
+              <a:lnSpc>
+                <a:spcPct val="150000"/>
+              </a:lnSpc>
+            </a:pPr>
+            <a:r>
+              <a:rPr lang="zh-CN" altLang="en-US" dirty="0" smtClean="0"/>
               <a:t>抽象而来：忽略不必要的，取我们所需要的成员</a:t>
             </a:r>
           </a:p>
           <a:p>
-            <a:pPr lvl="1"/>
-            <a:r>
-              <a:rPr lang="zh-CN" altLang="en-US" smtClean="0"/>
+            <a:pPr lvl="1">
+              <a:lnSpc>
+                <a:spcPct val="150000"/>
+              </a:lnSpc>
+            </a:pPr>
+            <a:r>
+              <a:rPr lang="zh-CN" altLang="en-US" dirty="0" smtClean="0"/>
               <a:t>同类对象拥有相同的成员</a:t>
             </a:r>
-            <a:endParaRPr lang="en-US" altLang="zh-CN" smtClean="0"/>
-          </a:p>
-          <a:p>
-            <a:r>
-              <a:rPr lang="zh-CN" altLang="en-US" smtClean="0"/>
+            <a:endParaRPr lang="en-US" altLang="zh-CN" dirty="0" smtClean="0"/>
+          </a:p>
+          <a:p>
+            <a:pPr>
+              <a:lnSpc>
+                <a:spcPct val="150000"/>
+              </a:lnSpc>
+            </a:pPr>
+            <a:r>
+              <a:rPr lang="zh-CN" altLang="en-US" dirty="0" smtClean="0"/>
               <a:t>成员的封装</a:t>
             </a:r>
           </a:p>
           <a:p>
-            <a:pPr lvl="1"/>
-            <a:r>
-              <a:rPr lang="zh-CN" altLang="en-US" smtClean="0"/>
+            <a:pPr lvl="1">
+              <a:lnSpc>
+                <a:spcPct val="150000"/>
+              </a:lnSpc>
+            </a:pPr>
+            <a:r>
+              <a:rPr lang="zh-CN" altLang="en-US" dirty="0" smtClean="0"/>
               <a:t>都可以选择</a:t>
             </a:r>
             <a:r>
-              <a:rPr lang="en-US" altLang="zh-CN" smtClean="0"/>
+              <a:rPr lang="en-US" altLang="zh-CN" dirty="0" smtClean="0"/>
               <a:t>private</a:t>
             </a:r>
             <a:r>
-              <a:rPr lang="zh-CN" altLang="en-US" smtClean="0"/>
+              <a:rPr lang="zh-CN" altLang="en-US" dirty="0" smtClean="0"/>
               <a:t>、</a:t>
             </a:r>
             <a:r>
-              <a:rPr lang="en-US" altLang="zh-CN" smtClean="0"/>
+              <a:rPr lang="en-US" altLang="zh-CN" dirty="0" smtClean="0"/>
               <a:t>protected</a:t>
             </a:r>
             <a:r>
-              <a:rPr lang="zh-CN" altLang="en-US" smtClean="0"/>
+              <a:rPr lang="zh-CN" altLang="en-US" dirty="0" smtClean="0"/>
               <a:t>、</a:t>
             </a:r>
             <a:r>
-              <a:rPr lang="en-US" altLang="zh-CN" smtClean="0"/>
+              <a:rPr lang="en-US" altLang="zh-CN" dirty="0" smtClean="0"/>
               <a:t>public</a:t>
             </a:r>
             <a:r>
-              <a:rPr lang="zh-CN" altLang="en-US" smtClean="0"/>
+              <a:rPr lang="zh-CN" altLang="en-US" dirty="0" smtClean="0"/>
               <a:t>或默认</a:t>
             </a:r>
-            <a:endParaRPr lang="en-US" altLang="zh-CN" smtClean="0"/>
-          </a:p>
-          <a:p>
-            <a:endParaRPr lang="zh-CN" altLang="en-US" smtClean="0"/>
+            <a:endParaRPr lang="en-US" altLang="zh-CN" dirty="0" smtClean="0"/>
+          </a:p>
+          <a:p>
+            <a:pPr>
+              <a:lnSpc>
+                <a:spcPct val="150000"/>
+              </a:lnSpc>
+            </a:pPr>
+            <a:endParaRPr lang="zh-CN" altLang="en-US" dirty="0" smtClean="0"/>
           </a:p>
         </p:txBody>
       </p:sp>
@@ -7030,32 +7320,52 @@
           <a:bodyPr/>
           <a:lstStyle/>
           <a:p>
-            <a:r>
-              <a:rPr lang="zh-CN" altLang="en-US" smtClean="0"/>
+            <a:pPr>
+              <a:lnSpc>
+                <a:spcPct val="150000"/>
+              </a:lnSpc>
+            </a:pPr>
+            <a:r>
+              <a:rPr lang="zh-CN" altLang="en-US" dirty="0" smtClean="0"/>
               <a:t>封装的概念</a:t>
             </a:r>
-            <a:endParaRPr lang="en-US" altLang="zh-CN" smtClean="0"/>
-          </a:p>
-          <a:p>
-            <a:r>
-              <a:rPr lang="zh-CN" altLang="en-US" smtClean="0"/>
+            <a:endParaRPr lang="en-US" altLang="zh-CN" dirty="0" smtClean="0"/>
+          </a:p>
+          <a:p>
+            <a:pPr>
+              <a:lnSpc>
+                <a:spcPct val="150000"/>
+              </a:lnSpc>
+            </a:pPr>
+            <a:r>
+              <a:rPr lang="zh-CN" altLang="en-US" dirty="0" smtClean="0"/>
               <a:t>封装的好处</a:t>
             </a:r>
-            <a:endParaRPr lang="en-US" altLang="zh-CN" smtClean="0"/>
-          </a:p>
-          <a:p>
-            <a:r>
-              <a:rPr lang="zh-CN" altLang="en-US" smtClean="0"/>
+            <a:endParaRPr lang="en-US" altLang="zh-CN" dirty="0" smtClean="0"/>
+          </a:p>
+          <a:p>
+            <a:pPr>
+              <a:lnSpc>
+                <a:spcPct val="150000"/>
+              </a:lnSpc>
+            </a:pPr>
+            <a:r>
+              <a:rPr lang="zh-CN" altLang="en-US" dirty="0" smtClean="0"/>
               <a:t>类与封装</a:t>
             </a:r>
-            <a:endParaRPr lang="en-US" altLang="zh-CN" smtClean="0"/>
-          </a:p>
-          <a:p>
-            <a:r>
-              <a:rPr lang="zh-CN" altLang="en-US" smtClean="0"/>
+            <a:endParaRPr lang="en-US" altLang="zh-CN" dirty="0" smtClean="0"/>
+          </a:p>
+          <a:p>
+            <a:pPr>
+              <a:lnSpc>
+                <a:spcPct val="150000"/>
+              </a:lnSpc>
+            </a:pPr>
+            <a:r>
+              <a:rPr lang="zh-CN" altLang="en-US" dirty="0" smtClean="0"/>
               <a:t>访问修饰符</a:t>
             </a:r>
-            <a:endParaRPr lang="en-US" altLang="zh-CN" smtClean="0"/>
+            <a:endParaRPr lang="en-US" altLang="zh-CN" dirty="0" smtClean="0"/>
           </a:p>
         </p:txBody>
       </p:sp>
@@ -7128,31 +7438,36 @@
           <a:bodyPr/>
           <a:lstStyle/>
           <a:p>
-            <a:r>
-              <a:rPr lang="en-US" altLang="zh-CN" smtClean="0"/>
+            <a:pPr>
+              <a:lnSpc>
+                <a:spcPct val="150000"/>
+              </a:lnSpc>
+            </a:pPr>
+            <a:r>
+              <a:rPr lang="en-US" altLang="zh-CN" dirty="0" smtClean="0"/>
               <a:t>private</a:t>
             </a:r>
             <a:r>
-              <a:rPr lang="zh-CN" altLang="en-US" smtClean="0"/>
+              <a:rPr lang="zh-CN" altLang="en-US" dirty="0" smtClean="0"/>
               <a:t>、</a:t>
             </a:r>
             <a:r>
-              <a:rPr lang="en-US" altLang="zh-CN" smtClean="0"/>
+              <a:rPr lang="en-US" altLang="zh-CN" dirty="0" smtClean="0"/>
               <a:t>protected</a:t>
             </a:r>
             <a:r>
-              <a:rPr lang="zh-CN" altLang="en-US" smtClean="0"/>
+              <a:rPr lang="zh-CN" altLang="en-US" dirty="0" smtClean="0"/>
               <a:t>、</a:t>
             </a:r>
             <a:r>
-              <a:rPr lang="en-US" altLang="zh-CN" smtClean="0"/>
+              <a:rPr lang="en-US" altLang="zh-CN" dirty="0" smtClean="0"/>
               <a:t>public</a:t>
             </a:r>
             <a:r>
-              <a:rPr lang="zh-CN" altLang="en-US" smtClean="0"/>
+              <a:rPr lang="zh-CN" altLang="en-US" dirty="0" smtClean="0"/>
               <a:t>修饰符的访问权限。</a:t>
             </a:r>
-            <a:endParaRPr lang="en-US" altLang="zh-CN" smtClean="0"/>
+            <a:endParaRPr lang="en-US" altLang="zh-CN" dirty="0" smtClean="0"/>
           </a:p>
         </p:txBody>
       </p:sp>
@@ -7200,7 +7515,7 @@
         </p:nvSpPr>
         <p:spPr bwMode="auto">
           <a:xfrm>
-            <a:off x="467544" y="3068960"/>
+            <a:off x="1991545" y="3068960"/>
             <a:ext cx="7362825" cy="582612"/>
           </a:xfrm>
           <a:prstGeom prst="rect">
@@ -7233,7 +7548,7 @@
           <a:p>
             <a:pPr eaLnBrk="1" hangingPunct="1"/>
             <a:r>
-              <a:rPr lang="en-US" altLang="zh-CN" sz="5400" b="1" smtClean="0">
+              <a:rPr lang="en-US" altLang="zh-CN" sz="5400" b="1">
                 <a:solidFill>
                   <a:srgbClr val="C00000"/>
                 </a:solidFill>
@@ -7241,7 +7556,7 @@
               </a:rPr>
               <a:t>Thank You</a:t>
             </a:r>
-            <a:endParaRPr lang="zh-CN" altLang="en-US" sz="5400" b="1" smtClean="0">
+            <a:endParaRPr lang="zh-CN" altLang="en-US" sz="5400" b="1">
               <a:solidFill>
                 <a:srgbClr val="C00000"/>
               </a:solidFill>
@@ -7425,6 +7740,7 @@
           <a:bodyPr/>
           <a:lstStyle/>
           <a:p>
+            <a:pPr algn="ctr"/>
             <a:r>
               <a:rPr lang="zh-CN" altLang="en-US" smtClean="0"/>
               <a:t>讲授思路　　　　　　　　　</a:t>
@@ -7442,37 +7758,62 @@
             <p:ph idx="1"/>
           </p:nvPr>
         </p:nvSpPr>
-        <p:spPr/>
+        <p:spPr>
+          <a:xfrm>
+            <a:off x="4727848" y="1160749"/>
+            <a:ext cx="2736304" cy="4965415"/>
+          </a:xfrm>
+        </p:spPr>
         <p:txBody>
           <a:bodyPr/>
           <a:lstStyle/>
           <a:p>
-            <a:r>
-              <a:rPr lang="zh-CN" altLang="en-US" smtClean="0"/>
+            <a:pPr>
+              <a:lnSpc>
+                <a:spcPct val="150000"/>
+              </a:lnSpc>
+            </a:pPr>
+            <a:r>
+              <a:rPr lang="zh-CN" altLang="en-US" dirty="0" smtClean="0"/>
               <a:t>封装的概念</a:t>
             </a:r>
-            <a:endParaRPr lang="en-US" altLang="zh-CN" smtClean="0"/>
-          </a:p>
-          <a:p>
-            <a:r>
-              <a:rPr lang="zh-CN" altLang="en-US" smtClean="0"/>
+            <a:endParaRPr lang="en-US" altLang="zh-CN" dirty="0" smtClean="0"/>
+          </a:p>
+          <a:p>
+            <a:pPr>
+              <a:lnSpc>
+                <a:spcPct val="150000"/>
+              </a:lnSpc>
+            </a:pPr>
+            <a:r>
+              <a:rPr lang="zh-CN" altLang="en-US" dirty="0" smtClean="0"/>
               <a:t>封装的好处</a:t>
             </a:r>
-            <a:endParaRPr lang="en-US" altLang="zh-CN" smtClean="0"/>
-          </a:p>
-          <a:p>
-            <a:r>
-              <a:rPr lang="zh-CN" altLang="en-US" smtClean="0"/>
+            <a:endParaRPr lang="en-US" altLang="zh-CN" dirty="0" smtClean="0"/>
+          </a:p>
+          <a:p>
+            <a:pPr>
+              <a:lnSpc>
+                <a:spcPct val="150000"/>
+              </a:lnSpc>
+            </a:pPr>
+            <a:r>
+              <a:rPr lang="zh-CN" altLang="en-US" dirty="0" smtClean="0"/>
               <a:t>类与封装</a:t>
             </a:r>
-            <a:endParaRPr lang="en-US" altLang="zh-CN" smtClean="0"/>
-          </a:p>
-          <a:p>
-            <a:r>
-              <a:rPr lang="zh-CN" altLang="en-US" smtClean="0"/>
+            <a:endParaRPr lang="en-US" altLang="zh-CN" dirty="0" smtClean="0"/>
+          </a:p>
+          <a:p>
+            <a:pPr>
+              <a:lnSpc>
+                <a:spcPct val="150000"/>
+              </a:lnSpc>
+            </a:pPr>
+            <a:r>
+              <a:rPr lang="zh-CN" altLang="en-US" dirty="0" smtClean="0"/>
               <a:t>访问修饰符</a:t>
             </a:r>
-            <a:endParaRPr lang="en-US" altLang="zh-CN" smtClean="0"/>
+            <a:endParaRPr lang="en-US" altLang="zh-CN" dirty="0" smtClean="0"/>
           </a:p>
         </p:txBody>
       </p:sp>
@@ -7545,8 +7886,13 @@
           <a:bodyPr/>
           <a:lstStyle/>
           <a:p>
-            <a:r>
-              <a:rPr lang="zh-CN" altLang="en-US" smtClean="0"/>
+            <a:pPr>
+              <a:lnSpc>
+                <a:spcPct val="150000"/>
+              </a:lnSpc>
+            </a:pPr>
+            <a:r>
+              <a:rPr lang="zh-CN" altLang="en-US" dirty="0" smtClean="0"/>
               <a:t>举例：学生成绩管理系统中，对于学生类，如何在计算机中表示学生的信息？</a:t>
             </a:r>
           </a:p>
@@ -7561,20 +7907,20 @@
           <p:nvPr>
             <p:extLst>
               <p:ext uri="{D42A27DB-BD31-4B8C-83A1-F6EECF244321}">
-                <p14:modId xmlns:p14="http://schemas.microsoft.com/office/powerpoint/2010/main" val="791503245"/>
+                <p14:modId xmlns:p14="http://schemas.microsoft.com/office/powerpoint/2010/main" val="1303215213"/>
               </p:ext>
             </p:extLst>
           </p:nvPr>
         </p:nvGraphicFramePr>
         <p:xfrm>
-          <a:off x="2051720" y="2420888"/>
-          <a:ext cx="4824536" cy="3024336"/>
+          <a:off x="2423592" y="2597772"/>
+          <a:ext cx="6336704" cy="3528392"/>
         </p:xfrm>
         <a:graphic>
           <a:graphicData uri="http://schemas.openxmlformats.org/presentationml/2006/ole">
             <mc:AlternateContent xmlns:mc="http://schemas.openxmlformats.org/markup-compatibility/2006">
               <mc:Choice xmlns:v="urn:schemas-microsoft-com:vml" Requires="v">
-                <p:oleObj spid="_x0000_s8245" r:id="rId4" imgW="3333333" imgH="1952898" progId="PBrush">
+                <p:oleObj spid="_x0000_s8250" r:id="rId4" imgW="3333333" imgH="1952898" progId="PBrush">
                   <p:embed/>
                 </p:oleObj>
               </mc:Choice>
@@ -7604,8 +7950,8 @@
                     </p:blipFill>
                     <p:spPr bwMode="auto">
                       <a:xfrm>
-                        <a:off x="2051720" y="2420888"/>
-                        <a:ext cx="4824536" cy="3024336"/>
+                        <a:off x="2423592" y="2597772"/>
+                        <a:ext cx="6336704" cy="3528392"/>
                       </a:xfrm>
                       <a:prstGeom prst="rect">
                         <a:avLst/>
@@ -7768,8 +8114,13 @@
           <a:bodyPr/>
           <a:lstStyle/>
           <a:p>
-            <a:r>
-              <a:rPr lang="zh-CN" altLang="en-US" smtClean="0"/>
+            <a:pPr>
+              <a:lnSpc>
+                <a:spcPct val="150000"/>
+              </a:lnSpc>
+            </a:pPr>
+            <a:r>
+              <a:rPr lang="zh-CN" altLang="en-US" dirty="0" smtClean="0"/>
               <a:t>信息：</a:t>
             </a:r>
           </a:p>
@@ -7785,7 +8136,7 @@
         </p:nvSpPr>
         <p:spPr bwMode="auto">
           <a:xfrm>
-            <a:off x="801688" y="3933825"/>
+            <a:off x="2325689" y="3933826"/>
             <a:ext cx="1944687" cy="2087563"/>
           </a:xfrm>
           <a:prstGeom prst="rect">
@@ -8001,7 +8352,7 @@
         </p:nvSpPr>
         <p:spPr bwMode="auto">
           <a:xfrm>
-            <a:off x="3429000" y="3933825"/>
+            <a:off x="4953000" y="3933826"/>
             <a:ext cx="1943100" cy="1871663"/>
           </a:xfrm>
           <a:prstGeom prst="rect">
@@ -8227,7 +8578,7 @@
         </p:nvSpPr>
         <p:spPr bwMode="auto">
           <a:xfrm>
-            <a:off x="6156325" y="3933825"/>
+            <a:off x="7680325" y="3933826"/>
             <a:ext cx="1944688" cy="1871663"/>
           </a:xfrm>
           <a:prstGeom prst="rect">
@@ -8454,7 +8805,7 @@
         </p:nvCxnSpPr>
         <p:spPr bwMode="auto">
           <a:xfrm>
-            <a:off x="4400550" y="2924175"/>
+            <a:off x="5924550" y="2924175"/>
             <a:ext cx="0" cy="1009650"/>
           </a:xfrm>
           <a:prstGeom prst="straightConnector1">
@@ -8491,7 +8842,7 @@
         </p:nvCxnSpPr>
         <p:spPr bwMode="auto">
           <a:xfrm rot="10800000" flipV="1">
-            <a:off x="1774825" y="1989138"/>
+            <a:off x="3298826" y="1989138"/>
             <a:ext cx="1654175" cy="2087562"/>
           </a:xfrm>
           <a:prstGeom prst="bentConnector2">
@@ -8526,7 +8877,7 @@
         </p:nvCxnSpPr>
         <p:spPr bwMode="auto">
           <a:xfrm>
-            <a:off x="4400550" y="3429000"/>
+            <a:off x="5924551" y="3429001"/>
             <a:ext cx="2727325" cy="504825"/>
           </a:xfrm>
           <a:prstGeom prst="bentConnector2">
@@ -8566,7 +8917,7 @@
         </p:nvCxnSpPr>
         <p:spPr bwMode="auto">
           <a:xfrm>
-            <a:off x="5372100" y="1989138"/>
+            <a:off x="6896101" y="1989139"/>
             <a:ext cx="1755775" cy="1944687"/>
           </a:xfrm>
           <a:prstGeom prst="bentConnector2">
@@ -8600,7 +8951,7 @@
         </p:nvSpPr>
         <p:spPr bwMode="auto">
           <a:xfrm>
-            <a:off x="3413125" y="3933825"/>
+            <a:off x="4937126" y="3933826"/>
             <a:ext cx="1958975" cy="2087563"/>
           </a:xfrm>
           <a:prstGeom prst="rect">
@@ -8789,7 +9140,7 @@
         </p:nvSpPr>
         <p:spPr bwMode="auto">
           <a:xfrm>
-            <a:off x="6140450" y="3933825"/>
+            <a:off x="7664451" y="3933826"/>
             <a:ext cx="1960563" cy="2087563"/>
           </a:xfrm>
           <a:prstGeom prst="rect">
@@ -8993,7 +9344,7 @@
         </p:nvSpPr>
         <p:spPr>
           <a:xfrm>
-            <a:off x="3932498" y="1628800"/>
+            <a:off x="5456498" y="1628801"/>
             <a:ext cx="936104" cy="1015663"/>
           </a:xfrm>
           <a:prstGeom prst="rect">
@@ -9015,19 +9366,15 @@
           </a:p>
           <a:p>
             <a:r>
-              <a:rPr lang="zh-CN" altLang="en-US" smtClean="0"/>
+              <a:rPr lang="zh-CN" altLang="en-US"/>
               <a:t>姓名</a:t>
             </a:r>
             <a:endParaRPr lang="en-US" altLang="zh-CN"/>
           </a:p>
           <a:p>
             <a:r>
-              <a:rPr lang="zh-CN" altLang="en-US" smtClean="0"/>
-              <a:t>学</a:t>
-            </a:r>
-            <a:r>
               <a:rPr lang="zh-CN" altLang="en-US"/>
-              <a:t>号</a:t>
+              <a:t>学号</a:t>
             </a:r>
             <a:r>
               <a:rPr lang="en-US" altLang="zh-CN"/>
@@ -9114,11 +9461,21 @@
             <p:ph idx="1"/>
           </p:nvPr>
         </p:nvSpPr>
-        <p:spPr/>
+        <p:spPr>
+          <a:xfrm>
+            <a:off x="609600" y="1160749"/>
+            <a:ext cx="10972800" cy="5697251"/>
+          </a:xfrm>
+        </p:spPr>
         <p:txBody>
           <a:bodyPr/>
           <a:lstStyle/>
           <a:p>
+            <a:pPr>
+              <a:lnSpc>
+                <a:spcPct val="150000"/>
+              </a:lnSpc>
+            </a:pPr>
             <a:r>
               <a:rPr lang="zh-CN" altLang="en-US" dirty="0" smtClean="0"/>
               <a:t>封装（</a:t>
@@ -9158,7 +9515,11 @@
             <a:endParaRPr lang="zh-CN" altLang="en-US" dirty="0" smtClean="0"/>
           </a:p>
           <a:p>
-            <a:pPr lvl="1"/>
+            <a:pPr lvl="1">
+              <a:lnSpc>
+                <a:spcPct val="150000"/>
+              </a:lnSpc>
+            </a:pPr>
             <a:r>
               <a:rPr lang="zh-CN" altLang="en-US" dirty="0"/>
               <a:t>一种将抽象性函数接口的实现细节部分包装、隐藏起来的方法。</a:t>
@@ -9166,7 +9527,11 @@
             <a:endParaRPr lang="zh-CN" altLang="en-US" dirty="0" smtClean="0"/>
           </a:p>
           <a:p>
-            <a:pPr lvl="1"/>
+            <a:pPr lvl="1">
+              <a:lnSpc>
+                <a:spcPct val="150000"/>
+              </a:lnSpc>
+            </a:pPr>
             <a:r>
               <a:rPr lang="zh-CN" altLang="en-US" dirty="0"/>
               <a:t>也是一种防止外界调用端，去访问对象内部实现细节的手段，</a:t>
@@ -9177,6 +9542,11 @@
             </a:r>
           </a:p>
           <a:p>
+            <a:pPr>
+              <a:lnSpc>
+                <a:spcPct val="150000"/>
+              </a:lnSpc>
+            </a:pPr>
             <a:r>
               <a:rPr lang="zh-CN" altLang="en-US" dirty="0" smtClean="0"/>
               <a:t>封装，摘自：</a:t>
@@ -9187,14 +9557,22 @@
             </a:r>
           </a:p>
           <a:p>
-            <a:pPr lvl="1"/>
+            <a:pPr lvl="1">
+              <a:lnSpc>
+                <a:spcPct val="150000"/>
+              </a:lnSpc>
+            </a:pPr>
             <a:r>
               <a:rPr lang="zh-CN" altLang="en-US" dirty="0" smtClean="0"/>
               <a:t>一是把对象的全部属性和行为结合在一起，形成一个不可分割的独立单位。对象的属性值（除了公有的属性值）只能由这个对象的行为来读取和修改；</a:t>
             </a:r>
           </a:p>
           <a:p>
-            <a:pPr lvl="1"/>
+            <a:pPr lvl="1">
+              <a:lnSpc>
+                <a:spcPct val="150000"/>
+              </a:lnSpc>
+            </a:pPr>
             <a:r>
               <a:rPr lang="zh-CN" altLang="en-US" dirty="0" smtClean="0"/>
               <a:t>二是尽可能隐蔽对象的内部细节，对外形成一道屏障，与外部的联系只能通过外部接口实现。 </a:t>
@@ -9266,7 +9644,7 @@
         </p:nvSpPr>
         <p:spPr bwMode="auto">
           <a:xfrm>
-            <a:off x="801688" y="4076701"/>
+            <a:off x="2325688" y="4076702"/>
             <a:ext cx="2258144" cy="2160611"/>
           </a:xfrm>
           <a:prstGeom prst="rect">
@@ -9387,7 +9765,7 @@
           <a:p>
             <a:pPr eaLnBrk="1" hangingPunct="1"/>
             <a:r>
-              <a:rPr lang="zh-CN" altLang="en-US" sz="2400" smtClean="0">
+              <a:rPr lang="zh-CN" altLang="en-US" sz="2400">
                 <a:solidFill>
                   <a:schemeClr val="tx1"/>
                 </a:solidFill>
@@ -9414,48 +9792,21 @@
                 <a:latin typeface="微软雅黑" pitchFamily="34" charset="-122"/>
                 <a:ea typeface="微软雅黑" pitchFamily="34" charset="-122"/>
               </a:rPr>
-              <a:t>       </a:t>
-            </a:r>
-            <a:r>
-              <a:rPr lang="en-US" altLang="zh-CN" sz="2400" smtClean="0">
+              <a:t>       20</a:t>
+            </a:r>
+          </a:p>
+          <a:p>
+            <a:pPr eaLnBrk="1" hangingPunct="1"/>
+            <a:r>
+              <a:rPr lang="en-US" altLang="zh-CN" sz="2400">
                 <a:solidFill>
                   <a:schemeClr val="tx1"/>
                 </a:solidFill>
                 <a:latin typeface="微软雅黑" pitchFamily="34" charset="-122"/>
                 <a:ea typeface="微软雅黑" pitchFamily="34" charset="-122"/>
               </a:rPr>
-              <a:t>20</a:t>
-            </a:r>
-          </a:p>
-          <a:p>
-            <a:pPr eaLnBrk="1" hangingPunct="1"/>
-            <a:r>
-              <a:rPr lang="en-US" altLang="zh-CN" sz="2400">
-                <a:solidFill>
-                  <a:schemeClr val="tx1"/>
-                </a:solidFill>
-                <a:latin typeface="微软雅黑" pitchFamily="34" charset="-122"/>
-                <a:ea typeface="微软雅黑" pitchFamily="34" charset="-122"/>
-              </a:rPr>
-              <a:t> </a:t>
-            </a:r>
-            <a:r>
-              <a:rPr lang="en-US" altLang="zh-CN" sz="2400" smtClean="0">
-                <a:solidFill>
-                  <a:schemeClr val="tx1"/>
-                </a:solidFill>
-                <a:latin typeface="微软雅黑" pitchFamily="34" charset="-122"/>
-                <a:ea typeface="微软雅黑" pitchFamily="34" charset="-122"/>
-              </a:rPr>
-              <a:t>      Tom</a:t>
-            </a:r>
-            <a:endParaRPr lang="en-US" altLang="zh-CN" sz="2400">
-              <a:solidFill>
-                <a:schemeClr val="tx1"/>
-              </a:solidFill>
-              <a:latin typeface="微软雅黑" pitchFamily="34" charset="-122"/>
-              <a:ea typeface="微软雅黑" pitchFamily="34" charset="-122"/>
-            </a:endParaRPr>
+              <a:t>       Tom</a:t>
+            </a:r>
           </a:p>
           <a:p>
             <a:pPr eaLnBrk="1" hangingPunct="1"/>
@@ -9467,20 +9818,10 @@
                 <a:latin typeface="微软雅黑" pitchFamily="34" charset="-122"/>
                 <a:ea typeface="宋体" charset="-122"/>
               </a:rPr>
-              <a:t>      </a:t>
-            </a:r>
-            <a:r>
-              <a:rPr lang="en-US" altLang="zh-CN" sz="2400" smtClean="0">
-                <a:solidFill>
-                  <a:schemeClr val="tx1"/>
-                </a:solidFill>
-                <a:latin typeface="微软雅黑" pitchFamily="34" charset="-122"/>
-                <a:ea typeface="宋体" charset="-122"/>
-              </a:rPr>
-              <a:t> </a:t>
-            </a:r>
-            <a:r>
-              <a:rPr lang="en-US" altLang="zh-CN" sz="2400" smtClean="0">
+              <a:t>       </a:t>
+            </a:r>
+            <a:r>
+              <a:rPr lang="en-US" altLang="zh-CN" sz="2400">
                 <a:solidFill>
                   <a:schemeClr val="tx1"/>
                 </a:solidFill>
@@ -9489,18 +9830,11 @@
               </a:rPr>
               <a:t>201301</a:t>
             </a:r>
-            <a:endParaRPr lang="en-US" altLang="zh-CN" sz="2400">
-              <a:solidFill>
-                <a:schemeClr val="tx1"/>
-              </a:solidFill>
-              <a:latin typeface="微软雅黑" pitchFamily="34" charset="-122"/>
-              <a:ea typeface="微软雅黑" pitchFamily="34" charset="-122"/>
-            </a:endParaRPr>
           </a:p>
           <a:p>
             <a:pPr eaLnBrk="1" hangingPunct="1"/>
             <a:r>
-              <a:rPr lang="zh-CN" altLang="en-US" sz="2400" smtClean="0">
+              <a:rPr lang="zh-CN" altLang="en-US" sz="2400">
                 <a:solidFill>
                   <a:schemeClr val="tx1"/>
                 </a:solidFill>
@@ -9527,7 +9861,7 @@
         </p:nvCxnSpPr>
         <p:spPr bwMode="auto">
           <a:xfrm>
-            <a:off x="4400550" y="2924175"/>
+            <a:off x="5924550" y="2924175"/>
             <a:ext cx="0" cy="1009650"/>
           </a:xfrm>
           <a:prstGeom prst="straightConnector1">
@@ -9563,7 +9897,7 @@
         </p:nvCxnSpPr>
         <p:spPr bwMode="auto">
           <a:xfrm rot="10800000" flipV="1">
-            <a:off x="1774825" y="1989138"/>
+            <a:off x="3298826" y="1989138"/>
             <a:ext cx="1654175" cy="2087562"/>
           </a:xfrm>
           <a:prstGeom prst="bentConnector2">
@@ -9597,7 +9931,7 @@
         </p:nvCxnSpPr>
         <p:spPr bwMode="auto">
           <a:xfrm>
-            <a:off x="4400550" y="3429000"/>
+            <a:off x="5924551" y="3429001"/>
             <a:ext cx="2727325" cy="504825"/>
           </a:xfrm>
           <a:prstGeom prst="bentConnector2">
@@ -9636,7 +9970,7 @@
         </p:nvCxnSpPr>
         <p:spPr bwMode="auto">
           <a:xfrm>
-            <a:off x="5372100" y="1989138"/>
+            <a:off x="6896101" y="1989139"/>
             <a:ext cx="1755775" cy="1944687"/>
           </a:xfrm>
           <a:prstGeom prst="bentConnector2">
@@ -9668,7 +10002,7 @@
         </p:nvSpPr>
         <p:spPr>
           <a:xfrm>
-            <a:off x="3641092" y="1292959"/>
+            <a:off x="5165093" y="1292959"/>
             <a:ext cx="1518915" cy="1631216"/>
           </a:xfrm>
           <a:prstGeom prst="rect">
@@ -9683,7 +10017,7 @@
           <a:lstStyle/>
           <a:p>
             <a:r>
-              <a:rPr lang="zh-CN" altLang="en-US" smtClean="0"/>
+              <a:rPr lang="zh-CN" altLang="en-US"/>
               <a:t>私有属性：</a:t>
             </a:r>
             <a:endParaRPr lang="en-US" altLang="zh-CN"/>
@@ -9694,22 +10028,18 @@
               <a:t>      </a:t>
             </a:r>
             <a:r>
-              <a:rPr lang="zh-CN" altLang="en-US" smtClean="0"/>
+              <a:rPr lang="zh-CN" altLang="en-US"/>
               <a:t>年龄</a:t>
             </a:r>
-            <a:endParaRPr lang="en-US" altLang="zh-CN" smtClean="0"/>
+            <a:endParaRPr lang="en-US" altLang="zh-CN"/>
           </a:p>
           <a:p>
             <a:r>
               <a:rPr lang="en-US" altLang="zh-CN"/>
-              <a:t> </a:t>
-            </a:r>
-            <a:r>
-              <a:rPr lang="en-US" altLang="zh-CN" smtClean="0"/>
-              <a:t>      </a:t>
-            </a:r>
-            <a:r>
-              <a:rPr lang="zh-CN" altLang="en-US" smtClean="0"/>
+              <a:t>       </a:t>
+            </a:r>
+            <a:r>
+              <a:rPr lang="zh-CN" altLang="en-US"/>
               <a:t>姓名</a:t>
             </a:r>
             <a:endParaRPr lang="en-US" altLang="zh-CN"/>
@@ -9723,7 +10053,7 @@
           </a:p>
           <a:p>
             <a:r>
-              <a:rPr lang="zh-CN" altLang="en-US" smtClean="0"/>
+              <a:rPr lang="zh-CN" altLang="en-US"/>
               <a:t>公开接口：</a:t>
             </a:r>
             <a:endParaRPr lang="en-US" altLang="zh-CN"/>
@@ -9740,7 +10070,7 @@
         </p:nvSpPr>
         <p:spPr bwMode="auto">
           <a:xfrm>
-            <a:off x="3271478" y="4076700"/>
+            <a:off x="4795478" y="4076701"/>
             <a:ext cx="2258144" cy="2160611"/>
           </a:xfrm>
           <a:prstGeom prst="rect">
@@ -9861,7 +10191,7 @@
           <a:p>
             <a:pPr eaLnBrk="1" hangingPunct="1"/>
             <a:r>
-              <a:rPr lang="zh-CN" altLang="en-US" sz="2400" smtClean="0">
+              <a:rPr lang="zh-CN" altLang="en-US" sz="2400">
                 <a:solidFill>
                   <a:schemeClr val="tx1"/>
                 </a:solidFill>
@@ -9888,48 +10218,21 @@
                 <a:latin typeface="微软雅黑" pitchFamily="34" charset="-122"/>
                 <a:ea typeface="微软雅黑" pitchFamily="34" charset="-122"/>
               </a:rPr>
-              <a:t>       </a:t>
-            </a:r>
-            <a:r>
-              <a:rPr lang="en-US" altLang="zh-CN" sz="2400" smtClean="0">
+              <a:t>       21</a:t>
+            </a:r>
+          </a:p>
+          <a:p>
+            <a:pPr eaLnBrk="1" hangingPunct="1"/>
+            <a:r>
+              <a:rPr lang="en-US" altLang="zh-CN" sz="2400">
                 <a:solidFill>
                   <a:schemeClr val="tx1"/>
                 </a:solidFill>
                 <a:latin typeface="微软雅黑" pitchFamily="34" charset="-122"/>
                 <a:ea typeface="微软雅黑" pitchFamily="34" charset="-122"/>
               </a:rPr>
-              <a:t>21</a:t>
-            </a:r>
-          </a:p>
-          <a:p>
-            <a:pPr eaLnBrk="1" hangingPunct="1"/>
-            <a:r>
-              <a:rPr lang="en-US" altLang="zh-CN" sz="2400">
-                <a:solidFill>
-                  <a:schemeClr val="tx1"/>
-                </a:solidFill>
-                <a:latin typeface="微软雅黑" pitchFamily="34" charset="-122"/>
-                <a:ea typeface="微软雅黑" pitchFamily="34" charset="-122"/>
-              </a:rPr>
-              <a:t> </a:t>
-            </a:r>
-            <a:r>
-              <a:rPr lang="en-US" altLang="zh-CN" sz="2400" smtClean="0">
-                <a:solidFill>
-                  <a:schemeClr val="tx1"/>
-                </a:solidFill>
-                <a:latin typeface="微软雅黑" pitchFamily="34" charset="-122"/>
-                <a:ea typeface="微软雅黑" pitchFamily="34" charset="-122"/>
-              </a:rPr>
-              <a:t>      Tim</a:t>
-            </a:r>
-            <a:endParaRPr lang="en-US" altLang="zh-CN" sz="2400">
-              <a:solidFill>
-                <a:schemeClr val="tx1"/>
-              </a:solidFill>
-              <a:latin typeface="微软雅黑" pitchFamily="34" charset="-122"/>
-              <a:ea typeface="微软雅黑" pitchFamily="34" charset="-122"/>
-            </a:endParaRPr>
+              <a:t>       Tim</a:t>
+            </a:r>
           </a:p>
           <a:p>
             <a:pPr eaLnBrk="1" hangingPunct="1"/>
@@ -9941,20 +10244,10 @@
                 <a:latin typeface="微软雅黑" pitchFamily="34" charset="-122"/>
                 <a:ea typeface="宋体" charset="-122"/>
               </a:rPr>
-              <a:t>      </a:t>
-            </a:r>
-            <a:r>
-              <a:rPr lang="en-US" altLang="zh-CN" sz="2400" smtClean="0">
-                <a:solidFill>
-                  <a:schemeClr val="tx1"/>
-                </a:solidFill>
-                <a:latin typeface="微软雅黑" pitchFamily="34" charset="-122"/>
-                <a:ea typeface="宋体" charset="-122"/>
-              </a:rPr>
-              <a:t> </a:t>
-            </a:r>
-            <a:r>
-              <a:rPr lang="en-US" altLang="zh-CN" sz="2400" smtClean="0">
+              <a:t>       </a:t>
+            </a:r>
+            <a:r>
+              <a:rPr lang="en-US" altLang="zh-CN" sz="2400">
                 <a:solidFill>
                   <a:schemeClr val="tx1"/>
                 </a:solidFill>
@@ -9963,18 +10256,11 @@
               </a:rPr>
               <a:t>201302</a:t>
             </a:r>
-            <a:endParaRPr lang="en-US" altLang="zh-CN" sz="2400">
-              <a:solidFill>
-                <a:schemeClr val="tx1"/>
-              </a:solidFill>
-              <a:latin typeface="微软雅黑" pitchFamily="34" charset="-122"/>
-              <a:ea typeface="微软雅黑" pitchFamily="34" charset="-122"/>
-            </a:endParaRPr>
           </a:p>
           <a:p>
             <a:pPr eaLnBrk="1" hangingPunct="1"/>
             <a:r>
-              <a:rPr lang="zh-CN" altLang="en-US" sz="2400" smtClean="0">
+              <a:rPr lang="zh-CN" altLang="en-US" sz="2400">
                 <a:solidFill>
                   <a:schemeClr val="tx1"/>
                 </a:solidFill>
@@ -10003,7 +10289,7 @@
         </p:nvSpPr>
         <p:spPr bwMode="auto">
           <a:xfrm>
-            <a:off x="5998803" y="4092117"/>
+            <a:off x="7522803" y="4092118"/>
             <a:ext cx="2258144" cy="2160611"/>
           </a:xfrm>
           <a:prstGeom prst="rect">
@@ -10124,7 +10410,7 @@
           <a:p>
             <a:pPr eaLnBrk="1" hangingPunct="1"/>
             <a:r>
-              <a:rPr lang="zh-CN" altLang="en-US" sz="2400" smtClean="0">
+              <a:rPr lang="zh-CN" altLang="en-US" sz="2400">
                 <a:solidFill>
                   <a:schemeClr val="tx1"/>
                 </a:solidFill>
@@ -10151,48 +10437,21 @@
                 <a:latin typeface="微软雅黑" pitchFamily="34" charset="-122"/>
                 <a:ea typeface="微软雅黑" pitchFamily="34" charset="-122"/>
               </a:rPr>
-              <a:t>       </a:t>
-            </a:r>
-            <a:r>
-              <a:rPr lang="en-US" altLang="zh-CN" sz="2400" smtClean="0">
+              <a:t>       23</a:t>
+            </a:r>
+          </a:p>
+          <a:p>
+            <a:pPr eaLnBrk="1" hangingPunct="1"/>
+            <a:r>
+              <a:rPr lang="en-US" altLang="zh-CN" sz="2400">
                 <a:solidFill>
                   <a:schemeClr val="tx1"/>
                 </a:solidFill>
                 <a:latin typeface="微软雅黑" pitchFamily="34" charset="-122"/>
                 <a:ea typeface="微软雅黑" pitchFamily="34" charset="-122"/>
               </a:rPr>
-              <a:t>23</a:t>
-            </a:r>
-          </a:p>
-          <a:p>
-            <a:pPr eaLnBrk="1" hangingPunct="1"/>
-            <a:r>
-              <a:rPr lang="en-US" altLang="zh-CN" sz="2400">
-                <a:solidFill>
-                  <a:schemeClr val="tx1"/>
-                </a:solidFill>
-                <a:latin typeface="微软雅黑" pitchFamily="34" charset="-122"/>
-                <a:ea typeface="微软雅黑" pitchFamily="34" charset="-122"/>
-              </a:rPr>
-              <a:t> </a:t>
-            </a:r>
-            <a:r>
-              <a:rPr lang="en-US" altLang="zh-CN" sz="2400" smtClean="0">
-                <a:solidFill>
-                  <a:schemeClr val="tx1"/>
-                </a:solidFill>
-                <a:latin typeface="微软雅黑" pitchFamily="34" charset="-122"/>
-                <a:ea typeface="微软雅黑" pitchFamily="34" charset="-122"/>
-              </a:rPr>
-              <a:t>      Jerry</a:t>
-            </a:r>
-            <a:endParaRPr lang="en-US" altLang="zh-CN" sz="2400">
-              <a:solidFill>
-                <a:schemeClr val="tx1"/>
-              </a:solidFill>
-              <a:latin typeface="微软雅黑" pitchFamily="34" charset="-122"/>
-              <a:ea typeface="微软雅黑" pitchFamily="34" charset="-122"/>
-            </a:endParaRPr>
+              <a:t>       Jerry</a:t>
+            </a:r>
           </a:p>
           <a:p>
             <a:pPr eaLnBrk="1" hangingPunct="1"/>
@@ -10204,20 +10463,10 @@
                 <a:latin typeface="微软雅黑" pitchFamily="34" charset="-122"/>
                 <a:ea typeface="宋体" charset="-122"/>
               </a:rPr>
-              <a:t>      </a:t>
-            </a:r>
-            <a:r>
-              <a:rPr lang="en-US" altLang="zh-CN" sz="2400" smtClean="0">
-                <a:solidFill>
-                  <a:schemeClr val="tx1"/>
-                </a:solidFill>
-                <a:latin typeface="微软雅黑" pitchFamily="34" charset="-122"/>
-                <a:ea typeface="宋体" charset="-122"/>
-              </a:rPr>
-              <a:t> </a:t>
-            </a:r>
-            <a:r>
-              <a:rPr lang="en-US" altLang="zh-CN" sz="2400" smtClean="0">
+              <a:t>       </a:t>
+            </a:r>
+            <a:r>
+              <a:rPr lang="en-US" altLang="zh-CN" sz="2400">
                 <a:solidFill>
                   <a:schemeClr val="tx1"/>
                 </a:solidFill>
@@ -10226,18 +10475,11 @@
               </a:rPr>
               <a:t>201303</a:t>
             </a:r>
-            <a:endParaRPr lang="en-US" altLang="zh-CN" sz="2400">
-              <a:solidFill>
-                <a:schemeClr val="tx1"/>
-              </a:solidFill>
-              <a:latin typeface="微软雅黑" pitchFamily="34" charset="-122"/>
-              <a:ea typeface="微软雅黑" pitchFamily="34" charset="-122"/>
-            </a:endParaRPr>
           </a:p>
           <a:p>
             <a:pPr eaLnBrk="1" hangingPunct="1"/>
             <a:r>
-              <a:rPr lang="zh-CN" altLang="en-US" sz="2400" smtClean="0">
+              <a:rPr lang="zh-CN" altLang="en-US" sz="2400">
                 <a:solidFill>
                   <a:schemeClr val="tx1"/>
                 </a:solidFill>
@@ -10325,31 +10567,55 @@
           <a:bodyPr/>
           <a:lstStyle/>
           <a:p>
+            <a:pPr>
+              <a:lnSpc>
+                <a:spcPct val="150000"/>
+              </a:lnSpc>
+            </a:pPr>
             <a:r>
               <a:rPr lang="zh-CN" altLang="en-US" dirty="0" smtClean="0"/>
               <a:t>封装机制将对象的使用者与设计者分开，使用者不必知道对象行为实现的细节</a:t>
             </a:r>
           </a:p>
           <a:p>
-            <a:pPr lvl="1"/>
+            <a:pPr lvl="1">
+              <a:lnSpc>
+                <a:spcPct val="150000"/>
+              </a:lnSpc>
+            </a:pPr>
             <a:r>
               <a:rPr lang="zh-CN" altLang="en-US" dirty="0" smtClean="0"/>
               <a:t>或者说“接口”与“实现”分开</a:t>
             </a:r>
           </a:p>
           <a:p>
+            <a:pPr>
+              <a:lnSpc>
+                <a:spcPct val="150000"/>
+              </a:lnSpc>
+            </a:pPr>
             <a:r>
               <a:rPr lang="en-US" altLang="zh-CN" dirty="0" smtClean="0"/>
               <a:t>Simplicity and clarity</a:t>
             </a:r>
           </a:p>
           <a:p>
+            <a:pPr>
+              <a:lnSpc>
+                <a:spcPct val="150000"/>
+              </a:lnSpc>
+            </a:pPr>
             <a:r>
               <a:rPr lang="en-US" altLang="zh-CN" dirty="0" smtClean="0"/>
               <a:t>Low complexity</a:t>
             </a:r>
           </a:p>
           <a:p>
+            <a:pPr>
+              <a:lnSpc>
+                <a:spcPct val="150000"/>
+              </a:lnSpc>
+            </a:pPr>
             <a:r>
               <a:rPr lang="en-US" altLang="zh-CN" dirty="0" smtClean="0"/>
               <a:t>Better understanding</a:t>
@@ -10429,64 +10695,99 @@
           <a:bodyPr/>
           <a:lstStyle/>
           <a:p>
-            <a:r>
-              <a:rPr lang="zh-CN" altLang="en-US" smtClean="0"/>
+            <a:pPr>
+              <a:lnSpc>
+                <a:spcPct val="150000"/>
+              </a:lnSpc>
+            </a:pPr>
+            <a:r>
+              <a:rPr lang="zh-CN" altLang="en-US" dirty="0" smtClean="0"/>
               <a:t>封装机制将对象的使用者与设计者分开，使用者不必知道对象行为实现的细节 </a:t>
             </a:r>
-            <a:endParaRPr lang="en-US" altLang="zh-CN" smtClean="0"/>
-          </a:p>
-          <a:p>
-            <a:pPr lvl="1"/>
-            <a:r>
-              <a:rPr lang="zh-CN" altLang="en-US" smtClean="0"/>
+            <a:endParaRPr lang="en-US" altLang="zh-CN" dirty="0" smtClean="0"/>
+          </a:p>
+          <a:p>
+            <a:pPr lvl="1">
+              <a:lnSpc>
+                <a:spcPct val="150000"/>
+              </a:lnSpc>
+            </a:pPr>
+            <a:r>
+              <a:rPr lang="zh-CN" altLang="en-US" dirty="0" smtClean="0"/>
               <a:t>或者说“接口”与“实现”分开</a:t>
             </a:r>
           </a:p>
           <a:p>
-            <a:r>
-              <a:rPr lang="zh-CN" altLang="en-US" smtClean="0"/>
+            <a:pPr>
+              <a:lnSpc>
+                <a:spcPct val="150000"/>
+              </a:lnSpc>
+            </a:pPr>
+            <a:r>
+              <a:rPr lang="zh-CN" altLang="en-US" dirty="0" smtClean="0"/>
               <a:t>比如：</a:t>
             </a:r>
-            <a:endParaRPr lang="en-US" altLang="zh-CN" smtClean="0"/>
-          </a:p>
-          <a:p>
-            <a:pPr lvl="1"/>
-            <a:r>
-              <a:rPr lang="zh-CN" altLang="en-US" smtClean="0"/>
+            <a:endParaRPr lang="en-US" altLang="zh-CN" dirty="0" smtClean="0"/>
+          </a:p>
+          <a:p>
+            <a:pPr lvl="1">
+              <a:lnSpc>
+                <a:spcPct val="150000"/>
+              </a:lnSpc>
+            </a:pPr>
+            <a:r>
+              <a:rPr lang="zh-CN" altLang="en-US" dirty="0" smtClean="0"/>
               <a:t>“人”隐藏了什么？</a:t>
             </a:r>
           </a:p>
           <a:p>
-            <a:pPr lvl="2"/>
-            <a:r>
-              <a:rPr lang="zh-CN" altLang="en-US" smtClean="0"/>
+            <a:pPr lvl="2">
+              <a:lnSpc>
+                <a:spcPct val="150000"/>
+              </a:lnSpc>
+            </a:pPr>
+            <a:r>
+              <a:rPr lang="zh-CN" altLang="en-US" dirty="0" smtClean="0"/>
               <a:t>内脏</a:t>
             </a:r>
           </a:p>
           <a:p>
-            <a:pPr lvl="1"/>
-            <a:r>
-              <a:rPr lang="zh-CN" altLang="en-US" smtClean="0"/>
+            <a:pPr lvl="1">
+              <a:lnSpc>
+                <a:spcPct val="150000"/>
+              </a:lnSpc>
+            </a:pPr>
+            <a:r>
+              <a:rPr lang="zh-CN" altLang="en-US" dirty="0" smtClean="0"/>
               <a:t>你如何与他交互？</a:t>
             </a:r>
             <a:r>
-              <a:rPr lang="en-US" altLang="zh-CN" smtClean="0"/>
+              <a:rPr lang="en-US" altLang="zh-CN" dirty="0" smtClean="0"/>
               <a:t>(</a:t>
             </a:r>
             <a:r>
-              <a:rPr lang="zh-CN" altLang="en-US" smtClean="0"/>
+              <a:rPr lang="zh-CN" altLang="en-US" dirty="0" smtClean="0"/>
               <a:t>接口）</a:t>
             </a:r>
           </a:p>
           <a:p>
-            <a:pPr lvl="2"/>
-            <a:r>
-              <a:rPr lang="zh-CN" altLang="en-US" smtClean="0"/>
+            <a:pPr lvl="2">
+              <a:lnSpc>
+                <a:spcPct val="150000"/>
+              </a:lnSpc>
+            </a:pPr>
+            <a:r>
+              <a:rPr lang="zh-CN" altLang="en-US" dirty="0" smtClean="0"/>
               <a:t>手、脚、五官</a:t>
             </a:r>
           </a:p>
           <a:p>
-            <a:endParaRPr lang="zh-CN" altLang="en-US" smtClean="0"/>
+            <a:pPr>
+              <a:lnSpc>
+                <a:spcPct val="150000"/>
+              </a:lnSpc>
+            </a:pPr>
+            <a:endParaRPr lang="zh-CN" altLang="en-US" dirty="0" smtClean="0"/>
           </a:p>
         </p:txBody>
       </p:sp>
@@ -10559,28 +10860,55 @@
           <a:bodyPr/>
           <a:lstStyle/>
           <a:p>
+            <a:pPr>
+              <a:lnSpc>
+                <a:spcPct val="150000"/>
+              </a:lnSpc>
+            </a:pPr>
             <a:r>
               <a:rPr lang="zh-CN" altLang="en-US" dirty="0" smtClean="0">
                 <a:solidFill>
                   <a:srgbClr val="FF0000"/>
                 </a:solidFill>
               </a:rPr>
-              <a:t>通过类来实现封装，通过访问修饰符来实现信息隐藏</a:t>
+              <a:t>通过类来实现封装，通过访问修饰符来实现信息</a:t>
+            </a:r>
+            <a:r>
+              <a:rPr lang="zh-CN" altLang="en-US" dirty="0" smtClean="0">
+                <a:solidFill>
+                  <a:srgbClr val="FF0000"/>
+                </a:solidFill>
+              </a:rPr>
+              <a:t>隐藏。</a:t>
             </a:r>
             <a:endParaRPr lang="en-US" altLang="zh-CN" dirty="0" smtClean="0"/>
           </a:p>
           <a:p>
+            <a:pPr>
+              <a:lnSpc>
+                <a:spcPct val="150000"/>
+              </a:lnSpc>
+            </a:pPr>
             <a:r>
               <a:rPr lang="zh-CN" altLang="en-US" dirty="0" smtClean="0"/>
-              <a:t>类声明的语法</a:t>
-            </a:r>
-            <a:r>
-              <a:rPr lang="en-US" altLang="zh-CN" dirty="0" smtClean="0"/>
-              <a:t>:</a:t>
-            </a:r>
-          </a:p>
-          <a:p>
-            <a:pPr lvl="1"/>
+              <a:t>类声明的</a:t>
+            </a:r>
+            <a:r>
+              <a:rPr lang="zh-CN" altLang="en-US" dirty="0" smtClean="0"/>
+              <a:t>语法</a:t>
+            </a:r>
+            <a:r>
+              <a:rPr lang="zh-CN" altLang="en-US" dirty="0"/>
+              <a:t>：</a:t>
+            </a:r>
+            <a:endParaRPr lang="en-US" altLang="zh-CN" dirty="0" smtClean="0"/>
+          </a:p>
+          <a:p>
+            <a:pPr lvl="1">
+              <a:lnSpc>
+                <a:spcPct val="150000"/>
+              </a:lnSpc>
+            </a:pPr>
             <a:r>
               <a:rPr lang="en-US" altLang="zh-CN" dirty="0" smtClean="0"/>
               <a:t>class </a:t>
@@ -10595,7 +10923,11 @@
             </a:r>
           </a:p>
           <a:p>
-            <a:pPr lvl="1"/>
+            <a:pPr lvl="1">
+              <a:lnSpc>
+                <a:spcPct val="150000"/>
+              </a:lnSpc>
+            </a:pPr>
             <a:r>
               <a:rPr lang="en-US" altLang="zh-CN" dirty="0" smtClean="0"/>
               <a:t>        [private/protected/public]   </a:t>
@@ -10610,14 +10942,22 @@
             </a:r>
           </a:p>
           <a:p>
-            <a:pPr lvl="1"/>
+            <a:pPr lvl="1">
+              <a:lnSpc>
+                <a:spcPct val="150000"/>
+              </a:lnSpc>
+            </a:pPr>
             <a:r>
               <a:rPr lang="en-US" altLang="zh-CN" dirty="0" smtClean="0"/>
               <a:t>}</a:t>
             </a:r>
           </a:p>
           <a:p>
-            <a:pPr lvl="1"/>
+            <a:pPr lvl="1">
+              <a:lnSpc>
+                <a:spcPct val="150000"/>
+              </a:lnSpc>
+            </a:pPr>
             <a:r>
               <a:rPr lang="zh-CN" altLang="en-US" dirty="0" smtClean="0"/>
               <a:t>其中，</a:t>
@@ -10649,14 +10989,27 @@
             <a:endParaRPr lang="en-US" altLang="zh-CN" dirty="0" smtClean="0"/>
           </a:p>
           <a:p>
-            <a:pPr lvl="1"/>
+            <a:pPr lvl="1">
+              <a:lnSpc>
+                <a:spcPct val="150000"/>
+              </a:lnSpc>
+            </a:pPr>
             <a:endParaRPr lang="zh-CN" altLang="en-US" dirty="0" smtClean="0"/>
           </a:p>
           <a:p>
-            <a:pPr lvl="1"/>
+            <a:pPr lvl="1">
+              <a:lnSpc>
+                <a:spcPct val="150000"/>
+              </a:lnSpc>
+            </a:pPr>
             <a:endParaRPr lang="en-US" altLang="zh-CN" dirty="0" smtClean="0"/>
           </a:p>
           <a:p>
+            <a:pPr>
+              <a:lnSpc>
+                <a:spcPct val="150000"/>
+              </a:lnSpc>
+            </a:pPr>
             <a:endParaRPr lang="zh-CN" altLang="zh-CN" dirty="0" smtClean="0"/>
           </a:p>
         </p:txBody>

--- a/ch05/第5章 类的封装.pptx
+++ b/ch05/第5章 类的封装.pptx
@@ -2631,8 +2631,41 @@
                 <a:ea typeface="+mn-ea"/>
                 <a:cs typeface="+mn-cs"/>
               </a:rPr>
-              <a:t>但如果子类与父类不在同一个包中，在子类中用父类的实例去访问的话不可以</a:t>
-            </a:r>
+              <a:t>但如果子类与父类不在同一个包中，在子类中用父类的实例去访问的话</a:t>
+            </a:r>
+            <a:r>
+              <a:rPr lang="zh-CN" altLang="en-US" sz="1200" b="0" i="0" kern="1200" smtClean="0">
+                <a:solidFill>
+                  <a:schemeClr val="tx1"/>
+                </a:solidFill>
+                <a:effectLst/>
+                <a:latin typeface="Arial" charset="0"/>
+                <a:ea typeface="+mn-ea"/>
+                <a:cs typeface="+mn-cs"/>
+              </a:rPr>
+              <a:t>不</a:t>
+            </a:r>
+            <a:r>
+              <a:rPr lang="zh-CN" altLang="en-US" sz="1200" b="0" i="0" kern="1200" smtClean="0">
+                <a:solidFill>
+                  <a:schemeClr val="tx1"/>
+                </a:solidFill>
+                <a:effectLst/>
+                <a:latin typeface="Arial" charset="0"/>
+                <a:ea typeface="+mn-ea"/>
+                <a:cs typeface="+mn-cs"/>
+              </a:rPr>
+              <a:t>可以，在包外，父类的保护成员在子类中蜕变为私有权限。</a:t>
+            </a:r>
+            <a:endParaRPr lang="zh-CN" altLang="en-US" sz="1200" b="0" i="0" kern="1200" dirty="0" smtClean="0">
+              <a:solidFill>
+                <a:schemeClr val="tx1"/>
+              </a:solidFill>
+              <a:effectLst/>
+              <a:latin typeface="Arial" charset="0"/>
+              <a:ea typeface="+mn-ea"/>
+              <a:cs typeface="+mn-cs"/>
+            </a:endParaRPr>
           </a:p>
           <a:p>
             <a:endParaRPr lang="zh-CN" altLang="en-US" dirty="0"/>
@@ -4930,11 +4963,7 @@
           <a:p>
             <a:r>
               <a:rPr lang="zh-CN" altLang="en-US" dirty="0" smtClean="0"/>
-              <a:t>第五章  类</a:t>
-            </a:r>
-            <a:r>
-              <a:rPr lang="zh-CN" altLang="en-US" dirty="0" smtClean="0"/>
-              <a:t>的封装</a:t>
+              <a:t>第五章  类的封装</a:t>
             </a:r>
             <a:endParaRPr lang="zh-CN" altLang="en-US" dirty="0"/>
           </a:p>
@@ -5356,11 +5385,7 @@
             </a:r>
             <a:r>
               <a:rPr lang="zh-CN" altLang="en-US" dirty="0" smtClean="0"/>
-              <a:t>同一包内的类</a:t>
-            </a:r>
-            <a:r>
-              <a:rPr lang="zh-CN" altLang="en-US" dirty="0" smtClean="0"/>
-              <a:t>访问</a:t>
+              <a:t>同一包内的类访问</a:t>
             </a:r>
             <a:endParaRPr lang="zh-CN" altLang="zh-CN" dirty="0" smtClean="0"/>
           </a:p>
@@ -7760,8 +7785,8 @@
         </p:nvSpPr>
         <p:spPr>
           <a:xfrm>
-            <a:off x="4727848" y="1160749"/>
-            <a:ext cx="2736304" cy="4965415"/>
+            <a:off x="609600" y="1160749"/>
+            <a:ext cx="6854552" cy="4965415"/>
           </a:xfrm>
         </p:spPr>
         <p:txBody>
@@ -7920,7 +7945,7 @@
           <a:graphicData uri="http://schemas.openxmlformats.org/presentationml/2006/ole">
             <mc:AlternateContent xmlns:mc="http://schemas.openxmlformats.org/markup-compatibility/2006">
               <mc:Choice xmlns:v="urn:schemas-microsoft-com:vml" Requires="v">
-                <p:oleObj spid="_x0000_s8250" r:id="rId4" imgW="3333333" imgH="1952898" progId="PBrush">
+                <p:oleObj spid="_x0000_s8252" r:id="rId4" imgW="3333333" imgH="1952898" progId="PBrush">
                   <p:embed/>
                 </p:oleObj>
               </mc:Choice>
@@ -10871,15 +10896,7 @@
                   <a:srgbClr val="FF0000"/>
                 </a:solidFill>
               </a:rPr>
-              <a:t>通过类来实现封装，通过访问修饰符来实现信息</a:t>
-            </a:r>
-            <a:r>
-              <a:rPr lang="zh-CN" altLang="en-US" dirty="0" smtClean="0">
-                <a:solidFill>
-                  <a:srgbClr val="FF0000"/>
-                </a:solidFill>
-              </a:rPr>
-              <a:t>隐藏。</a:t>
+              <a:t>通过类来实现封装，通过访问修饰符来实现信息隐藏。</a:t>
             </a:r>
             <a:endParaRPr lang="en-US" altLang="zh-CN" dirty="0" smtClean="0"/>
           </a:p>
@@ -10891,11 +10908,7 @@
             </a:pPr>
             <a:r>
               <a:rPr lang="zh-CN" altLang="en-US" dirty="0" smtClean="0"/>
-              <a:t>类声明的</a:t>
-            </a:r>
-            <a:r>
-              <a:rPr lang="zh-CN" altLang="en-US" dirty="0" smtClean="0"/>
-              <a:t>语法</a:t>
+              <a:t>类声明的语法</a:t>
             </a:r>
             <a:r>
               <a:rPr lang="zh-CN" altLang="en-US" dirty="0"/>
